--- a/Goalkeepr Success Rate Slide.pptx
+++ b/Goalkeepr Success Rate Slide.pptx
@@ -5,7 +5,7 @@
     <p:sldMasterId id="2147483648" r:id="rId1"/>
   </p:sldMasterIdLst>
   <p:notesMasterIdLst>
-    <p:notesMasterId r:id="rId12"/>
+    <p:notesMasterId r:id="rId10"/>
   </p:notesMasterIdLst>
   <p:sldIdLst>
     <p:sldId id="313" r:id="rId2"/>
@@ -13,11 +13,9 @@
     <p:sldId id="314" r:id="rId4"/>
     <p:sldId id="311" r:id="rId5"/>
     <p:sldId id="315" r:id="rId6"/>
-    <p:sldId id="316" r:id="rId7"/>
-    <p:sldId id="279" r:id="rId8"/>
-    <p:sldId id="304" r:id="rId9"/>
-    <p:sldId id="308" r:id="rId10"/>
-    <p:sldId id="310" r:id="rId11"/>
+    <p:sldId id="308" r:id="rId7"/>
+    <p:sldId id="317" r:id="rId8"/>
+    <p:sldId id="279" r:id="rId9"/>
   </p:sldIdLst>
   <p:sldSz cx="12192000" cy="6858000"/>
   <p:notesSz cx="6858000" cy="9144000"/>
@@ -222,7 +220,7 @@
           <a:p>
             <a:fld id="{3DAC7728-3CF7-4ED8-BE73-4D9631C5AC35}" type="datetimeFigureOut">
               <a:rPr lang="zh-CN" altLang="en-US" smtClean="0"/>
-              <a:t>2018/11/27</a:t>
+              <a:t>2018/11/29</a:t>
             </a:fld>
             <a:endParaRPr lang="zh-CN" altLang="en-US"/>
           </a:p>
@@ -489,6 +487,93 @@
 </p:notesMaster>
 </file>
 
+<file path=ppt/notesSlides/notesSlide1.xml><?xml version="1.0" encoding="utf-8"?>
+<p:notes xmlns:a="http://schemas.openxmlformats.org/drawingml/2006/main" xmlns:r="http://schemas.openxmlformats.org/officeDocument/2006/relationships" xmlns:p="http://schemas.openxmlformats.org/presentationml/2006/main">
+  <p:cSld>
+    <p:spTree>
+      <p:nvGrpSpPr>
+        <p:cNvPr id="1" name=""/>
+        <p:cNvGrpSpPr/>
+        <p:nvPr/>
+      </p:nvGrpSpPr>
+      <p:grpSpPr>
+        <a:xfrm>
+          <a:off x="0" y="0"/>
+          <a:ext cx="0" cy="0"/>
+          <a:chOff x="0" y="0"/>
+          <a:chExt cx="0" cy="0"/>
+        </a:xfrm>
+      </p:grpSpPr>
+      <p:sp>
+        <p:nvSpPr>
+          <p:cNvPr id="2" name="Slide Image Placeholder 1"/>
+          <p:cNvSpPr>
+            <a:spLocks noGrp="1" noRot="1" noChangeAspect="1"/>
+          </p:cNvSpPr>
+          <p:nvPr>
+            <p:ph type="sldImg"/>
+          </p:nvPr>
+        </p:nvSpPr>
+        <p:spPr/>
+      </p:sp>
+      <p:sp>
+        <p:nvSpPr>
+          <p:cNvPr id="3" name="Notes Placeholder 2"/>
+          <p:cNvSpPr>
+            <a:spLocks noGrp="1"/>
+          </p:cNvSpPr>
+          <p:nvPr>
+            <p:ph type="body" idx="1"/>
+          </p:nvPr>
+        </p:nvSpPr>
+        <p:spPr/>
+        <p:txBody>
+          <a:bodyPr/>
+          <a:lstStyle/>
+          <a:p>
+            <a:r>
+              <a:rPr lang="en-US" dirty="0"/>
+              <a:t>http://chesmontsports.com/wp-content/uploads/2015/10/soccer22.jpg</a:t>
+            </a:r>
+          </a:p>
+        </p:txBody>
+      </p:sp>
+      <p:sp>
+        <p:nvSpPr>
+          <p:cNvPr id="4" name="Slide Number Placeholder 3"/>
+          <p:cNvSpPr>
+            <a:spLocks noGrp="1"/>
+          </p:cNvSpPr>
+          <p:nvPr>
+            <p:ph type="sldNum" sz="quarter" idx="5"/>
+          </p:nvPr>
+        </p:nvSpPr>
+        <p:spPr/>
+        <p:txBody>
+          <a:bodyPr/>
+          <a:lstStyle/>
+          <a:p>
+            <a:fld id="{B7522238-0D60-46EB-948E-7DCC2ACE6459}" type="slidenum">
+              <a:rPr lang="zh-CN" altLang="en-US" smtClean="0"/>
+              <a:t>1</a:t>
+            </a:fld>
+            <a:endParaRPr lang="zh-CN" altLang="en-US"/>
+          </a:p>
+        </p:txBody>
+      </p:sp>
+    </p:spTree>
+    <p:extLst>
+      <p:ext uri="{BB962C8B-B14F-4D97-AF65-F5344CB8AC3E}">
+        <p14:creationId xmlns:p14="http://schemas.microsoft.com/office/powerpoint/2010/main" val="3208722785"/>
+      </p:ext>
+    </p:extLst>
+  </p:cSld>
+  <p:clrMapOvr>
+    <a:masterClrMapping/>
+  </p:clrMapOvr>
+</p:notes>
+</file>
+
 <file path=ppt/slideLayouts/slideLayout1.xml><?xml version="1.0" encoding="utf-8"?>
 <p:sldLayout xmlns:a="http://schemas.openxmlformats.org/drawingml/2006/main" xmlns:r="http://schemas.openxmlformats.org/officeDocument/2006/relationships" xmlns:p="http://schemas.openxmlformats.org/presentationml/2006/main" type="title" preserve="1">
   <p:cSld name="标题幻灯片">
@@ -618,7 +703,7 @@
           <a:p>
             <a:fld id="{9B0C78CE-FED0-4D13-BE88-F615B93848C4}" type="datetimeFigureOut">
               <a:rPr lang="zh-CN" altLang="en-US" smtClean="0"/>
-              <a:t>2018/11/27</a:t>
+              <a:t>2018/11/29</a:t>
             </a:fld>
             <a:endParaRPr lang="zh-CN" altLang="en-US"/>
           </a:p>
@@ -893,7 +978,7 @@
           <a:p>
             <a:fld id="{9B0C78CE-FED0-4D13-BE88-F615B93848C4}" type="datetimeFigureOut">
               <a:rPr lang="zh-CN" altLang="en-US" smtClean="0"/>
-              <a:t>2018/11/27</a:t>
+              <a:t>2018/11/29</a:t>
             </a:fld>
             <a:endParaRPr lang="zh-CN" altLang="en-US"/>
           </a:p>
@@ -1145,7 +1230,7 @@
           <a:p>
             <a:fld id="{9B0C78CE-FED0-4D13-BE88-F615B93848C4}" type="datetimeFigureOut">
               <a:rPr lang="zh-CN" altLang="en-US" smtClean="0"/>
-              <a:t>2018/11/27</a:t>
+              <a:t>2018/11/29</a:t>
             </a:fld>
             <a:endParaRPr lang="zh-CN" altLang="en-US"/>
           </a:p>
@@ -1313,7 +1398,7 @@
           <a:p>
             <a:fld id="{9B0C78CE-FED0-4D13-BE88-F615B93848C4}" type="datetimeFigureOut">
               <a:rPr lang="zh-CN" altLang="en-US" smtClean="0"/>
-              <a:t>2018/11/27</a:t>
+              <a:t>2018/11/29</a:t>
             </a:fld>
             <a:endParaRPr lang="zh-CN" altLang="en-US"/>
           </a:p>
@@ -1491,7 +1576,7 @@
           <a:p>
             <a:fld id="{9B0C78CE-FED0-4D13-BE88-F615B93848C4}" type="datetimeFigureOut">
               <a:rPr lang="zh-CN" altLang="en-US" smtClean="0"/>
-              <a:t>2018/11/27</a:t>
+              <a:t>2018/11/29</a:t>
             </a:fld>
             <a:endParaRPr lang="zh-CN" altLang="en-US"/>
           </a:p>
@@ -1659,7 +1744,7 @@
           <a:p>
             <a:fld id="{9B0C78CE-FED0-4D13-BE88-F615B93848C4}" type="datetimeFigureOut">
               <a:rPr lang="zh-CN" altLang="en-US" smtClean="0"/>
-              <a:t>2018/11/27</a:t>
+              <a:t>2018/11/29</a:t>
             </a:fld>
             <a:endParaRPr lang="zh-CN" altLang="en-US"/>
           </a:p>
@@ -1904,7 +1989,7 @@
           <a:p>
             <a:fld id="{9B0C78CE-FED0-4D13-BE88-F615B93848C4}" type="datetimeFigureOut">
               <a:rPr lang="zh-CN" altLang="en-US" smtClean="0"/>
-              <a:t>2018/11/27</a:t>
+              <a:t>2018/11/29</a:t>
             </a:fld>
             <a:endParaRPr lang="zh-CN" altLang="en-US"/>
           </a:p>
@@ -2133,7 +2218,7 @@
           <a:p>
             <a:fld id="{9B0C78CE-FED0-4D13-BE88-F615B93848C4}" type="datetimeFigureOut">
               <a:rPr lang="zh-CN" altLang="en-US" smtClean="0"/>
-              <a:t>2018/11/27</a:t>
+              <a:t>2018/11/29</a:t>
             </a:fld>
             <a:endParaRPr lang="zh-CN" altLang="en-US"/>
           </a:p>
@@ -2497,7 +2582,7 @@
           <a:p>
             <a:fld id="{9B0C78CE-FED0-4D13-BE88-F615B93848C4}" type="datetimeFigureOut">
               <a:rPr lang="zh-CN" altLang="en-US" smtClean="0"/>
-              <a:t>2018/11/27</a:t>
+              <a:t>2018/11/29</a:t>
             </a:fld>
             <a:endParaRPr lang="zh-CN" altLang="en-US"/>
           </a:p>
@@ -2902,7 +2987,7 @@
           <a:p>
             <a:fld id="{9B0C78CE-FED0-4D13-BE88-F615B93848C4}" type="datetimeFigureOut">
               <a:rPr lang="zh-CN" altLang="en-US" smtClean="0"/>
-              <a:t>2018/11/27</a:t>
+              <a:t>2018/11/29</a:t>
             </a:fld>
             <a:endParaRPr lang="zh-CN" altLang="en-US"/>
           </a:p>
@@ -3116,7 +3201,7 @@
           <a:p>
             <a:fld id="{9B0C78CE-FED0-4D13-BE88-F615B93848C4}" type="datetimeFigureOut">
               <a:rPr lang="zh-CN" altLang="en-US" smtClean="0"/>
-              <a:t>2018/11/27</a:t>
+              <a:t>2018/11/29</a:t>
             </a:fld>
             <a:endParaRPr lang="zh-CN" altLang="en-US"/>
           </a:p>
@@ -4255,7 +4340,7 @@
           <p:nvPr/>
         </p:nvPicPr>
         <p:blipFill>
-          <a:blip r:embed="rId2">
+          <a:blip r:embed="rId3">
             <a:alphaModFix/>
             <a:extLst>
               <a:ext uri="{28A0092B-C50C-407E-A947-70E740481C1C}">
@@ -4270,7 +4355,7 @@
         </p:blipFill>
         <p:spPr bwMode="auto">
           <a:xfrm>
-            <a:off x="655" y="0"/>
+            <a:off x="655" y="-20320"/>
             <a:ext cx="10105370" cy="6736913"/>
           </a:xfrm>
           <a:prstGeom prst="rect">
@@ -4463,753 +4548,6 @@
     <p:extLst>
       <p:ext uri="{BB962C8B-B14F-4D97-AF65-F5344CB8AC3E}">
         <p14:creationId xmlns:p14="http://schemas.microsoft.com/office/powerpoint/2010/main" val="332462687"/>
-      </p:ext>
-    </p:extLst>
-  </p:cSld>
-  <p:clrMapOvr>
-    <a:masterClrMapping/>
-  </p:clrMapOvr>
-</p:sld>
-</file>
-
-<file path=ppt/slides/slide10.xml><?xml version="1.0" encoding="utf-8"?>
-<p:sld xmlns:a="http://schemas.openxmlformats.org/drawingml/2006/main" xmlns:r="http://schemas.openxmlformats.org/officeDocument/2006/relationships" xmlns:p="http://schemas.openxmlformats.org/presentationml/2006/main">
-  <p:cSld>
-    <p:spTree>
-      <p:nvGrpSpPr>
-        <p:cNvPr id="1" name=""/>
-        <p:cNvGrpSpPr/>
-        <p:nvPr/>
-      </p:nvGrpSpPr>
-      <p:grpSpPr>
-        <a:xfrm>
-          <a:off x="0" y="0"/>
-          <a:ext cx="0" cy="0"/>
-          <a:chOff x="0" y="0"/>
-          <a:chExt cx="0" cy="0"/>
-        </a:xfrm>
-      </p:grpSpPr>
-      <p:cxnSp>
-        <p:nvCxnSpPr>
-          <p:cNvPr id="27" name="直接连接符 26"/>
-          <p:cNvCxnSpPr>
-            <a:cxnSpLocks/>
-          </p:cNvCxnSpPr>
-          <p:nvPr/>
-        </p:nvCxnSpPr>
-        <p:spPr>
-          <a:xfrm flipH="1">
-            <a:off x="6052622" y="0"/>
-            <a:ext cx="54691" cy="1920240"/>
-          </a:xfrm>
-          <a:prstGeom prst="line">
-            <a:avLst/>
-          </a:prstGeom>
-          <a:ln>
-            <a:solidFill>
-              <a:schemeClr val="tx2">
-                <a:lumMod val="75000"/>
-              </a:schemeClr>
-            </a:solidFill>
-          </a:ln>
-        </p:spPr>
-        <p:style>
-          <a:lnRef idx="1">
-            <a:schemeClr val="accent1"/>
-          </a:lnRef>
-          <a:fillRef idx="0">
-            <a:schemeClr val="accent1"/>
-          </a:fillRef>
-          <a:effectRef idx="0">
-            <a:schemeClr val="accent1"/>
-          </a:effectRef>
-          <a:fontRef idx="minor">
-            <a:schemeClr val="tx1"/>
-          </a:fontRef>
-        </p:style>
-      </p:cxnSp>
-      <p:cxnSp>
-        <p:nvCxnSpPr>
-          <p:cNvPr id="28" name="直接连接符 27"/>
-          <p:cNvCxnSpPr>
-            <a:cxnSpLocks/>
-          </p:cNvCxnSpPr>
-          <p:nvPr/>
-        </p:nvCxnSpPr>
-        <p:spPr>
-          <a:xfrm>
-            <a:off x="0" y="590306"/>
-            <a:ext cx="4769374" cy="2065261"/>
-          </a:xfrm>
-          <a:prstGeom prst="line">
-            <a:avLst/>
-          </a:prstGeom>
-          <a:ln>
-            <a:solidFill>
-              <a:schemeClr val="tx2">
-                <a:lumMod val="75000"/>
-              </a:schemeClr>
-            </a:solidFill>
-          </a:ln>
-        </p:spPr>
-        <p:style>
-          <a:lnRef idx="1">
-            <a:schemeClr val="accent1"/>
-          </a:lnRef>
-          <a:fillRef idx="0">
-            <a:schemeClr val="accent1"/>
-          </a:fillRef>
-          <a:effectRef idx="0">
-            <a:schemeClr val="accent1"/>
-          </a:effectRef>
-          <a:fontRef idx="minor">
-            <a:schemeClr val="tx1"/>
-          </a:fontRef>
-        </p:style>
-      </p:cxnSp>
-      <p:cxnSp>
-        <p:nvCxnSpPr>
-          <p:cNvPr id="31" name="直接连接符 30"/>
-          <p:cNvCxnSpPr>
-            <a:cxnSpLocks/>
-          </p:cNvCxnSpPr>
-          <p:nvPr/>
-        </p:nvCxnSpPr>
-        <p:spPr>
-          <a:xfrm flipV="1">
-            <a:off x="879676" y="4861560"/>
-            <a:ext cx="4326109" cy="1996440"/>
-          </a:xfrm>
-          <a:prstGeom prst="line">
-            <a:avLst/>
-          </a:prstGeom>
-          <a:ln>
-            <a:solidFill>
-              <a:schemeClr val="tx2">
-                <a:lumMod val="75000"/>
-              </a:schemeClr>
-            </a:solidFill>
-          </a:ln>
-        </p:spPr>
-        <p:style>
-          <a:lnRef idx="1">
-            <a:schemeClr val="accent1"/>
-          </a:lnRef>
-          <a:fillRef idx="0">
-            <a:schemeClr val="accent1"/>
-          </a:fillRef>
-          <a:effectRef idx="0">
-            <a:schemeClr val="accent1"/>
-          </a:effectRef>
-          <a:fontRef idx="minor">
-            <a:schemeClr val="tx1"/>
-          </a:fontRef>
-        </p:style>
-      </p:cxnSp>
-      <p:cxnSp>
-        <p:nvCxnSpPr>
-          <p:cNvPr id="34" name="直接连接符 33"/>
-          <p:cNvCxnSpPr>
-            <a:cxnSpLocks/>
-          </p:cNvCxnSpPr>
-          <p:nvPr/>
-        </p:nvCxnSpPr>
-        <p:spPr>
-          <a:xfrm>
-            <a:off x="6905605" y="3390900"/>
-            <a:ext cx="5286395" cy="1169525"/>
-          </a:xfrm>
-          <a:prstGeom prst="line">
-            <a:avLst/>
-          </a:prstGeom>
-          <a:ln>
-            <a:solidFill>
-              <a:schemeClr val="tx2">
-                <a:lumMod val="75000"/>
-              </a:schemeClr>
-            </a:solidFill>
-          </a:ln>
-        </p:spPr>
-        <p:style>
-          <a:lnRef idx="1">
-            <a:schemeClr val="accent1"/>
-          </a:lnRef>
-          <a:fillRef idx="0">
-            <a:schemeClr val="accent1"/>
-          </a:fillRef>
-          <a:effectRef idx="0">
-            <a:schemeClr val="accent1"/>
-          </a:effectRef>
-          <a:fontRef idx="minor">
-            <a:schemeClr val="tx1"/>
-          </a:fontRef>
-        </p:style>
-      </p:cxnSp>
-      <p:cxnSp>
-        <p:nvCxnSpPr>
-          <p:cNvPr id="40" name="直接连接符 39"/>
-          <p:cNvCxnSpPr>
-            <a:cxnSpLocks/>
-          </p:cNvCxnSpPr>
-          <p:nvPr/>
-        </p:nvCxnSpPr>
-        <p:spPr>
-          <a:xfrm>
-            <a:off x="7321959" y="4126230"/>
-            <a:ext cx="4870041" cy="2731770"/>
-          </a:xfrm>
-          <a:prstGeom prst="line">
-            <a:avLst/>
-          </a:prstGeom>
-          <a:ln>
-            <a:solidFill>
-              <a:schemeClr val="tx2">
-                <a:lumMod val="75000"/>
-              </a:schemeClr>
-            </a:solidFill>
-          </a:ln>
-        </p:spPr>
-        <p:style>
-          <a:lnRef idx="1">
-            <a:schemeClr val="accent1"/>
-          </a:lnRef>
-          <a:fillRef idx="0">
-            <a:schemeClr val="accent1"/>
-          </a:fillRef>
-          <a:effectRef idx="0">
-            <a:schemeClr val="accent1"/>
-          </a:effectRef>
-          <a:fontRef idx="minor">
-            <a:schemeClr val="tx1"/>
-          </a:fontRef>
-        </p:style>
-      </p:cxnSp>
-      <p:cxnSp>
-        <p:nvCxnSpPr>
-          <p:cNvPr id="43" name="直接连接符 42"/>
-          <p:cNvCxnSpPr>
-            <a:cxnSpLocks/>
-          </p:cNvCxnSpPr>
-          <p:nvPr/>
-        </p:nvCxnSpPr>
-        <p:spPr>
-          <a:xfrm flipV="1">
-            <a:off x="7332097" y="1553251"/>
-            <a:ext cx="4859903" cy="1102319"/>
-          </a:xfrm>
-          <a:prstGeom prst="line">
-            <a:avLst/>
-          </a:prstGeom>
-          <a:ln>
-            <a:solidFill>
-              <a:schemeClr val="tx2">
-                <a:lumMod val="75000"/>
-              </a:schemeClr>
-            </a:solidFill>
-          </a:ln>
-        </p:spPr>
-        <p:style>
-          <a:lnRef idx="1">
-            <a:schemeClr val="accent1"/>
-          </a:lnRef>
-          <a:fillRef idx="0">
-            <a:schemeClr val="accent1"/>
-          </a:fillRef>
-          <a:effectRef idx="0">
-            <a:schemeClr val="accent1"/>
-          </a:effectRef>
-          <a:fontRef idx="minor">
-            <a:schemeClr val="tx1"/>
-          </a:fontRef>
-        </p:style>
-      </p:cxnSp>
-      <p:cxnSp>
-        <p:nvCxnSpPr>
-          <p:cNvPr id="48" name="直接连接符 47"/>
-          <p:cNvCxnSpPr>
-            <a:cxnSpLocks/>
-          </p:cNvCxnSpPr>
-          <p:nvPr/>
-        </p:nvCxnSpPr>
-        <p:spPr>
-          <a:xfrm>
-            <a:off x="3040644" y="0"/>
-            <a:ext cx="2158994" cy="1920240"/>
-          </a:xfrm>
-          <a:prstGeom prst="line">
-            <a:avLst/>
-          </a:prstGeom>
-          <a:ln>
-            <a:solidFill>
-              <a:schemeClr val="tx2">
-                <a:lumMod val="75000"/>
-              </a:schemeClr>
-            </a:solidFill>
-          </a:ln>
-        </p:spPr>
-        <p:style>
-          <a:lnRef idx="1">
-            <a:schemeClr val="accent1"/>
-          </a:lnRef>
-          <a:fillRef idx="0">
-            <a:schemeClr val="accent1"/>
-          </a:fillRef>
-          <a:effectRef idx="0">
-            <a:schemeClr val="accent1"/>
-          </a:effectRef>
-          <a:fontRef idx="minor">
-            <a:schemeClr val="tx1"/>
-          </a:fontRef>
-        </p:style>
-      </p:cxnSp>
-      <p:cxnSp>
-        <p:nvCxnSpPr>
-          <p:cNvPr id="51" name="直接连接符 50"/>
-          <p:cNvCxnSpPr>
-            <a:cxnSpLocks/>
-          </p:cNvCxnSpPr>
-          <p:nvPr/>
-        </p:nvCxnSpPr>
-        <p:spPr>
-          <a:xfrm flipV="1">
-            <a:off x="6905604" y="0"/>
-            <a:ext cx="2235944" cy="1920240"/>
-          </a:xfrm>
-          <a:prstGeom prst="line">
-            <a:avLst/>
-          </a:prstGeom>
-          <a:ln>
-            <a:solidFill>
-              <a:schemeClr val="tx2">
-                <a:lumMod val="75000"/>
-              </a:schemeClr>
-            </a:solidFill>
-          </a:ln>
-        </p:spPr>
-        <p:style>
-          <a:lnRef idx="1">
-            <a:schemeClr val="accent1"/>
-          </a:lnRef>
-          <a:fillRef idx="0">
-            <a:schemeClr val="accent1"/>
-          </a:fillRef>
-          <a:effectRef idx="0">
-            <a:schemeClr val="accent1"/>
-          </a:effectRef>
-          <a:fontRef idx="minor">
-            <a:schemeClr val="tx1"/>
-          </a:fontRef>
-        </p:style>
-      </p:cxnSp>
-      <p:cxnSp>
-        <p:nvCxnSpPr>
-          <p:cNvPr id="71" name="直接连接符 70"/>
-          <p:cNvCxnSpPr>
-            <a:cxnSpLocks/>
-          </p:cNvCxnSpPr>
-          <p:nvPr/>
-        </p:nvCxnSpPr>
-        <p:spPr>
-          <a:xfrm flipV="1">
-            <a:off x="0" y="3390897"/>
-            <a:ext cx="5195866" cy="845437"/>
-          </a:xfrm>
-          <a:prstGeom prst="line">
-            <a:avLst/>
-          </a:prstGeom>
-          <a:ln>
-            <a:solidFill>
-              <a:schemeClr val="tx2">
-                <a:lumMod val="75000"/>
-              </a:schemeClr>
-            </a:solidFill>
-          </a:ln>
-        </p:spPr>
-        <p:style>
-          <a:lnRef idx="1">
-            <a:schemeClr val="accent1"/>
-          </a:lnRef>
-          <a:fillRef idx="0">
-            <a:schemeClr val="accent1"/>
-          </a:fillRef>
-          <a:effectRef idx="0">
-            <a:schemeClr val="accent1"/>
-          </a:effectRef>
-          <a:fontRef idx="minor">
-            <a:schemeClr val="tx1"/>
-          </a:fontRef>
-        </p:style>
-      </p:cxnSp>
-      <p:cxnSp>
-        <p:nvCxnSpPr>
-          <p:cNvPr id="76" name="直接连接符 75"/>
-          <p:cNvCxnSpPr>
-            <a:cxnSpLocks/>
-          </p:cNvCxnSpPr>
-          <p:nvPr/>
-        </p:nvCxnSpPr>
-        <p:spPr>
-          <a:xfrm>
-            <a:off x="6052617" y="4861560"/>
-            <a:ext cx="1273324" cy="1996440"/>
-          </a:xfrm>
-          <a:prstGeom prst="line">
-            <a:avLst/>
-          </a:prstGeom>
-          <a:ln>
-            <a:solidFill>
-              <a:schemeClr val="tx2">
-                <a:lumMod val="75000"/>
-              </a:schemeClr>
-            </a:solidFill>
-          </a:ln>
-        </p:spPr>
-        <p:style>
-          <a:lnRef idx="1">
-            <a:schemeClr val="accent1"/>
-          </a:lnRef>
-          <a:fillRef idx="0">
-            <a:schemeClr val="accent1"/>
-          </a:fillRef>
-          <a:effectRef idx="0">
-            <a:schemeClr val="accent1"/>
-          </a:effectRef>
-          <a:fontRef idx="minor">
-            <a:schemeClr val="tx1"/>
-          </a:fontRef>
-        </p:style>
-      </p:cxnSp>
-      <p:sp>
-        <p:nvSpPr>
-          <p:cNvPr id="82" name="等腰三角形 81"/>
-          <p:cNvSpPr/>
-          <p:nvPr/>
-        </p:nvSpPr>
-        <p:spPr>
-          <a:xfrm rot="3143017">
-            <a:off x="3942760" y="3917482"/>
-            <a:ext cx="350520" cy="350520"/>
-          </a:xfrm>
-          <a:prstGeom prst="triangle">
-            <a:avLst/>
-          </a:prstGeom>
-          <a:solidFill>
-            <a:schemeClr val="accent3">
-              <a:lumMod val="50000"/>
-            </a:schemeClr>
-          </a:solidFill>
-          <a:ln>
-            <a:noFill/>
-          </a:ln>
-        </p:spPr>
-        <p:style>
-          <a:lnRef idx="2">
-            <a:schemeClr val="accent1">
-              <a:shade val="50000"/>
-            </a:schemeClr>
-          </a:lnRef>
-          <a:fillRef idx="1">
-            <a:schemeClr val="accent1"/>
-          </a:fillRef>
-          <a:effectRef idx="0">
-            <a:schemeClr val="accent1"/>
-          </a:effectRef>
-          <a:fontRef idx="minor">
-            <a:schemeClr val="lt1"/>
-          </a:fontRef>
-        </p:style>
-        <p:txBody>
-          <a:bodyPr rtlCol="0" anchor="ctr"/>
-          <a:lstStyle/>
-          <a:p>
-            <a:pPr algn="ctr"/>
-            <a:endParaRPr lang="zh-CN" altLang="en-US"/>
-          </a:p>
-        </p:txBody>
-      </p:sp>
-      <p:sp>
-        <p:nvSpPr>
-          <p:cNvPr id="86" name="等腰三角形 85"/>
-          <p:cNvSpPr/>
-          <p:nvPr/>
-        </p:nvSpPr>
-        <p:spPr>
-          <a:xfrm rot="20114524">
-            <a:off x="5648133" y="3794638"/>
-            <a:ext cx="800961" cy="800961"/>
-          </a:xfrm>
-          <a:prstGeom prst="triangle">
-            <a:avLst/>
-          </a:prstGeom>
-          <a:solidFill>
-            <a:schemeClr val="accent5"/>
-          </a:solidFill>
-          <a:ln>
-            <a:noFill/>
-          </a:ln>
-        </p:spPr>
-        <p:style>
-          <a:lnRef idx="2">
-            <a:schemeClr val="accent1">
-              <a:shade val="50000"/>
-            </a:schemeClr>
-          </a:lnRef>
-          <a:fillRef idx="1">
-            <a:schemeClr val="accent1"/>
-          </a:fillRef>
-          <a:effectRef idx="0">
-            <a:schemeClr val="accent1"/>
-          </a:effectRef>
-          <a:fontRef idx="minor">
-            <a:schemeClr val="lt1"/>
-          </a:fontRef>
-        </p:style>
-        <p:txBody>
-          <a:bodyPr rtlCol="0" anchor="ctr"/>
-          <a:lstStyle/>
-          <a:p>
-            <a:pPr algn="ctr"/>
-            <a:endParaRPr lang="zh-CN" altLang="en-US"/>
-          </a:p>
-        </p:txBody>
-      </p:sp>
-      <p:sp>
-        <p:nvSpPr>
-          <p:cNvPr id="87" name="等腰三角形 86"/>
-          <p:cNvSpPr/>
-          <p:nvPr/>
-        </p:nvSpPr>
-        <p:spPr>
-          <a:xfrm rot="18236843">
-            <a:off x="7915621" y="3810405"/>
-            <a:ext cx="341658" cy="341658"/>
-          </a:xfrm>
-          <a:prstGeom prst="triangle">
-            <a:avLst/>
-          </a:prstGeom>
-          <a:solidFill>
-            <a:srgbClr val="A7DCDE"/>
-          </a:solidFill>
-          <a:ln>
-            <a:noFill/>
-          </a:ln>
-        </p:spPr>
-        <p:style>
-          <a:lnRef idx="2">
-            <a:schemeClr val="accent1">
-              <a:shade val="50000"/>
-            </a:schemeClr>
-          </a:lnRef>
-          <a:fillRef idx="1">
-            <a:schemeClr val="accent1"/>
-          </a:fillRef>
-          <a:effectRef idx="0">
-            <a:schemeClr val="accent1"/>
-          </a:effectRef>
-          <a:fontRef idx="minor">
-            <a:schemeClr val="lt1"/>
-          </a:fontRef>
-        </p:style>
-        <p:txBody>
-          <a:bodyPr rtlCol="0" anchor="ctr"/>
-          <a:lstStyle/>
-          <a:p>
-            <a:pPr algn="ctr"/>
-            <a:endParaRPr lang="zh-CN" altLang="en-US"/>
-          </a:p>
-        </p:txBody>
-      </p:sp>
-      <p:sp>
-        <p:nvSpPr>
-          <p:cNvPr id="88" name="等腰三角形 87"/>
-          <p:cNvSpPr/>
-          <p:nvPr/>
-        </p:nvSpPr>
-        <p:spPr>
-          <a:xfrm rot="12545045">
-            <a:off x="7467667" y="2601774"/>
-            <a:ext cx="171058" cy="171058"/>
-          </a:xfrm>
-          <a:prstGeom prst="triangle">
-            <a:avLst/>
-          </a:prstGeom>
-          <a:solidFill>
-            <a:srgbClr val="FED593"/>
-          </a:solidFill>
-          <a:ln>
-            <a:noFill/>
-          </a:ln>
-        </p:spPr>
-        <p:style>
-          <a:lnRef idx="2">
-            <a:schemeClr val="accent1">
-              <a:shade val="50000"/>
-            </a:schemeClr>
-          </a:lnRef>
-          <a:fillRef idx="1">
-            <a:schemeClr val="accent1"/>
-          </a:fillRef>
-          <a:effectRef idx="0">
-            <a:schemeClr val="accent1"/>
-          </a:effectRef>
-          <a:fontRef idx="minor">
-            <a:schemeClr val="lt1"/>
-          </a:fontRef>
-        </p:style>
-        <p:txBody>
-          <a:bodyPr rtlCol="0" anchor="ctr"/>
-          <a:lstStyle/>
-          <a:p>
-            <a:pPr algn="ctr"/>
-            <a:endParaRPr lang="zh-CN" altLang="en-US"/>
-          </a:p>
-        </p:txBody>
-      </p:sp>
-      <p:sp>
-        <p:nvSpPr>
-          <p:cNvPr id="91" name="等腰三角形 90"/>
-          <p:cNvSpPr/>
-          <p:nvPr/>
-        </p:nvSpPr>
-        <p:spPr>
-          <a:xfrm rot="13354789">
-            <a:off x="5060273" y="2018863"/>
-            <a:ext cx="383872" cy="383872"/>
-          </a:xfrm>
-          <a:prstGeom prst="triangle">
-            <a:avLst/>
-          </a:prstGeom>
-          <a:solidFill>
-            <a:srgbClr val="FFC000"/>
-          </a:solidFill>
-          <a:ln>
-            <a:noFill/>
-          </a:ln>
-        </p:spPr>
-        <p:style>
-          <a:lnRef idx="2">
-            <a:schemeClr val="accent1">
-              <a:shade val="50000"/>
-            </a:schemeClr>
-          </a:lnRef>
-          <a:fillRef idx="1">
-            <a:schemeClr val="accent1"/>
-          </a:fillRef>
-          <a:effectRef idx="0">
-            <a:schemeClr val="accent1"/>
-          </a:effectRef>
-          <a:fontRef idx="minor">
-            <a:schemeClr val="lt1"/>
-          </a:fontRef>
-        </p:style>
-        <p:txBody>
-          <a:bodyPr rtlCol="0" anchor="ctr"/>
-          <a:lstStyle/>
-          <a:p>
-            <a:pPr algn="ctr"/>
-            <a:endParaRPr lang="zh-CN" altLang="en-US"/>
-          </a:p>
-        </p:txBody>
-      </p:sp>
-      <p:sp>
-        <p:nvSpPr>
-          <p:cNvPr id="93" name="等腰三角形 92"/>
-          <p:cNvSpPr/>
-          <p:nvPr/>
-        </p:nvSpPr>
-        <p:spPr>
-          <a:xfrm rot="8100000">
-            <a:off x="3703725" y="1814770"/>
-            <a:ext cx="249666" cy="249666"/>
-          </a:xfrm>
-          <a:prstGeom prst="triangle">
-            <a:avLst/>
-          </a:prstGeom>
-          <a:solidFill>
-            <a:schemeClr val="accent2"/>
-          </a:solidFill>
-          <a:ln>
-            <a:noFill/>
-          </a:ln>
-        </p:spPr>
-        <p:style>
-          <a:lnRef idx="2">
-            <a:schemeClr val="accent1">
-              <a:shade val="50000"/>
-            </a:schemeClr>
-          </a:lnRef>
-          <a:fillRef idx="1">
-            <a:schemeClr val="accent1"/>
-          </a:fillRef>
-          <a:effectRef idx="0">
-            <a:schemeClr val="accent1"/>
-          </a:effectRef>
-          <a:fontRef idx="minor">
-            <a:schemeClr val="lt1"/>
-          </a:fontRef>
-        </p:style>
-        <p:txBody>
-          <a:bodyPr rtlCol="0" anchor="ctr"/>
-          <a:lstStyle/>
-          <a:p>
-            <a:pPr algn="ctr"/>
-            <a:endParaRPr lang="zh-CN" altLang="en-US"/>
-          </a:p>
-        </p:txBody>
-      </p:sp>
-      <p:sp>
-        <p:nvSpPr>
-          <p:cNvPr id="95" name="等腰三角形 94"/>
-          <p:cNvSpPr/>
-          <p:nvPr/>
-        </p:nvSpPr>
-        <p:spPr>
-          <a:xfrm rot="13736472">
-            <a:off x="8338350" y="1516541"/>
-            <a:ext cx="446935" cy="446935"/>
-          </a:xfrm>
-          <a:prstGeom prst="triangle">
-            <a:avLst/>
-          </a:prstGeom>
-          <a:solidFill>
-            <a:schemeClr val="tx2">
-              <a:lumMod val="40000"/>
-              <a:lumOff val="60000"/>
-            </a:schemeClr>
-          </a:solidFill>
-          <a:ln>
-            <a:noFill/>
-          </a:ln>
-        </p:spPr>
-        <p:style>
-          <a:lnRef idx="2">
-            <a:schemeClr val="accent1">
-              <a:shade val="50000"/>
-            </a:schemeClr>
-          </a:lnRef>
-          <a:fillRef idx="1">
-            <a:schemeClr val="accent1"/>
-          </a:fillRef>
-          <a:effectRef idx="0">
-            <a:schemeClr val="accent1"/>
-          </a:effectRef>
-          <a:fontRef idx="minor">
-            <a:schemeClr val="lt1"/>
-          </a:fontRef>
-        </p:style>
-        <p:txBody>
-          <a:bodyPr rtlCol="0" anchor="ctr"/>
-          <a:lstStyle/>
-          <a:p>
-            <a:pPr algn="ctr"/>
-            <a:endParaRPr lang="zh-CN" altLang="en-US"/>
-          </a:p>
-        </p:txBody>
-      </p:sp>
-    </p:spTree>
-    <p:extLst>
-      <p:ext uri="{BB962C8B-B14F-4D97-AF65-F5344CB8AC3E}">
-        <p14:creationId xmlns:p14="http://schemas.microsoft.com/office/powerpoint/2010/main" val="2790153807"/>
       </p:ext>
     </p:extLst>
   </p:cSld>
@@ -7457,7 +6795,7 @@
         <p:spPr>
           <a:xfrm>
             <a:off x="1743822" y="1751673"/>
-            <a:ext cx="5990477" cy="461665"/>
+            <a:ext cx="9655698" cy="461665"/>
           </a:xfrm>
           <a:prstGeom prst="rect">
             <a:avLst/>
@@ -7474,7 +6812,7 @@
               <a:rPr lang="en-US" sz="2400" b="1" dirty="0">
                 <a:latin typeface="Century Gothic" panose="020B0502020202020204" pitchFamily="34" charset="0"/>
               </a:rPr>
-              <a:t>1) Find Dataset(Dataset Description)</a:t>
+              <a:t>1) Find Dataset(A 16/17 English Premier League Penalty Dataset)</a:t>
             </a:r>
             <a:endParaRPr lang="zh-CN" altLang="en-US" sz="2400" b="1" dirty="0">
               <a:latin typeface="Century Gothic" panose="020B0502020202020204" pitchFamily="34" charset="0"/>
@@ -7557,7 +6895,7 @@
         <p:spPr>
           <a:xfrm>
             <a:off x="1743823" y="4458640"/>
-            <a:ext cx="7901522" cy="461665"/>
+            <a:ext cx="9546203" cy="1569660"/>
           </a:xfrm>
           <a:prstGeom prst="rect">
             <a:avLst/>
@@ -7574,7 +6912,49 @@
               <a:rPr lang="en-US" sz="2400" b="1" dirty="0">
                 <a:latin typeface="Century Gothic" panose="020B0502020202020204" pitchFamily="34" charset="0"/>
               </a:rPr>
-              <a:t>3) Use Monte Carlo to realize the Simulation process</a:t>
+              <a:t>3) Use Monte Carlo to realize the Simulation for Three Scenarios</a:t>
+            </a:r>
+          </a:p>
+          <a:p>
+            <a:r>
+              <a:rPr lang="en-US" altLang="zh-CN" sz="2400" b="1" dirty="0">
+                <a:latin typeface="Century Gothic" panose="020B0502020202020204" pitchFamily="34" charset="0"/>
+              </a:rPr>
+              <a:t>Scenario 1 </a:t>
+            </a:r>
+            <a:r>
+              <a:rPr lang="zh-CN" altLang="en-US" sz="2400" b="1" dirty="0">
+                <a:latin typeface="Century Gothic" panose="020B0502020202020204" pitchFamily="34" charset="0"/>
+              </a:rPr>
+              <a:t>√</a:t>
+            </a:r>
+            <a:endParaRPr lang="en-US" altLang="zh-CN" sz="2400" b="1" dirty="0">
+              <a:latin typeface="Century Gothic" panose="020B0502020202020204" pitchFamily="34" charset="0"/>
+            </a:endParaRPr>
+          </a:p>
+          <a:p>
+            <a:r>
+              <a:rPr lang="en-US" altLang="zh-CN" sz="2400" b="1" dirty="0">
+                <a:latin typeface="Century Gothic" panose="020B0502020202020204" pitchFamily="34" charset="0"/>
+              </a:rPr>
+              <a:t>Scenario 2 </a:t>
+            </a:r>
+            <a:r>
+              <a:rPr lang="zh-CN" altLang="en-US" sz="2400" b="1" dirty="0">
+                <a:latin typeface="Century Gothic" panose="020B0502020202020204" pitchFamily="34" charset="0"/>
+              </a:rPr>
+              <a:t>√</a:t>
+            </a:r>
+            <a:endParaRPr lang="en-US" altLang="zh-CN" sz="2400" b="1" dirty="0">
+              <a:latin typeface="Century Gothic" panose="020B0502020202020204" pitchFamily="34" charset="0"/>
+            </a:endParaRPr>
+          </a:p>
+          <a:p>
+            <a:r>
+              <a:rPr lang="en-US" altLang="zh-CN" sz="2400" b="1" dirty="0">
+                <a:latin typeface="Century Gothic" panose="020B0502020202020204" pitchFamily="34" charset="0"/>
+              </a:rPr>
+              <a:t>Scenario 3 To be done soon</a:t>
             </a:r>
             <a:endParaRPr lang="zh-CN" altLang="en-US" sz="2400" b="1" dirty="0">
               <a:latin typeface="Century Gothic" panose="020B0502020202020204" pitchFamily="34" charset="0"/>
@@ -7884,32 +7264,417 @@
           <a:chExt cx="0" cy="0"/>
         </a:xfrm>
       </p:grpSpPr>
-      <p:sp>
-        <p:nvSpPr>
-          <p:cNvPr id="15" name="矩形 14"/>
+      <p:cxnSp>
+        <p:nvCxnSpPr>
+          <p:cNvPr id="27" name="直接连接符 26"/>
+          <p:cNvCxnSpPr>
+            <a:cxnSpLocks/>
+          </p:cNvCxnSpPr>
+          <p:nvPr/>
+        </p:nvCxnSpPr>
+        <p:spPr>
+          <a:xfrm flipH="1">
+            <a:off x="6052622" y="0"/>
+            <a:ext cx="54691" cy="1920240"/>
+          </a:xfrm>
+          <a:prstGeom prst="line">
+            <a:avLst/>
+          </a:prstGeom>
+          <a:ln>
+            <a:solidFill>
+              <a:schemeClr val="tx2">
+                <a:lumMod val="75000"/>
+              </a:schemeClr>
+            </a:solidFill>
+          </a:ln>
+        </p:spPr>
+        <p:style>
+          <a:lnRef idx="1">
+            <a:schemeClr val="accent1"/>
+          </a:lnRef>
+          <a:fillRef idx="0">
+            <a:schemeClr val="accent1"/>
+          </a:fillRef>
+          <a:effectRef idx="0">
+            <a:schemeClr val="accent1"/>
+          </a:effectRef>
+          <a:fontRef idx="minor">
+            <a:schemeClr val="tx1"/>
+          </a:fontRef>
+        </p:style>
+      </p:cxnSp>
+      <p:cxnSp>
+        <p:nvCxnSpPr>
+          <p:cNvPr id="28" name="直接连接符 27"/>
+          <p:cNvCxnSpPr>
+            <a:cxnSpLocks/>
+          </p:cNvCxnSpPr>
+          <p:nvPr/>
+        </p:nvCxnSpPr>
+        <p:spPr>
+          <a:xfrm>
+            <a:off x="0" y="590306"/>
+            <a:ext cx="4769374" cy="2065261"/>
+          </a:xfrm>
+          <a:prstGeom prst="line">
+            <a:avLst/>
+          </a:prstGeom>
+          <a:ln>
+            <a:solidFill>
+              <a:schemeClr val="tx2">
+                <a:lumMod val="75000"/>
+              </a:schemeClr>
+            </a:solidFill>
+          </a:ln>
+        </p:spPr>
+        <p:style>
+          <a:lnRef idx="1">
+            <a:schemeClr val="accent1"/>
+          </a:lnRef>
+          <a:fillRef idx="0">
+            <a:schemeClr val="accent1"/>
+          </a:fillRef>
+          <a:effectRef idx="0">
+            <a:schemeClr val="accent1"/>
+          </a:effectRef>
+          <a:fontRef idx="minor">
+            <a:schemeClr val="tx1"/>
+          </a:fontRef>
+        </p:style>
+      </p:cxnSp>
+      <p:cxnSp>
+        <p:nvCxnSpPr>
+          <p:cNvPr id="31" name="直接连接符 30"/>
+          <p:cNvCxnSpPr>
+            <a:cxnSpLocks/>
+          </p:cNvCxnSpPr>
+          <p:nvPr/>
+        </p:nvCxnSpPr>
+        <p:spPr>
+          <a:xfrm flipV="1">
+            <a:off x="879676" y="4861560"/>
+            <a:ext cx="4326109" cy="1996440"/>
+          </a:xfrm>
+          <a:prstGeom prst="line">
+            <a:avLst/>
+          </a:prstGeom>
+          <a:ln>
+            <a:solidFill>
+              <a:schemeClr val="tx2">
+                <a:lumMod val="75000"/>
+              </a:schemeClr>
+            </a:solidFill>
+          </a:ln>
+        </p:spPr>
+        <p:style>
+          <a:lnRef idx="1">
+            <a:schemeClr val="accent1"/>
+          </a:lnRef>
+          <a:fillRef idx="0">
+            <a:schemeClr val="accent1"/>
+          </a:fillRef>
+          <a:effectRef idx="0">
+            <a:schemeClr val="accent1"/>
+          </a:effectRef>
+          <a:fontRef idx="minor">
+            <a:schemeClr val="tx1"/>
+          </a:fontRef>
+        </p:style>
+      </p:cxnSp>
+      <p:cxnSp>
+        <p:nvCxnSpPr>
+          <p:cNvPr id="34" name="直接连接符 33"/>
+          <p:cNvCxnSpPr>
+            <a:cxnSpLocks/>
+          </p:cNvCxnSpPr>
+          <p:nvPr/>
+        </p:nvCxnSpPr>
+        <p:spPr>
+          <a:xfrm>
+            <a:off x="6905605" y="3390900"/>
+            <a:ext cx="5286395" cy="1169525"/>
+          </a:xfrm>
+          <a:prstGeom prst="line">
+            <a:avLst/>
+          </a:prstGeom>
+          <a:ln>
+            <a:solidFill>
+              <a:schemeClr val="tx2">
+                <a:lumMod val="75000"/>
+              </a:schemeClr>
+            </a:solidFill>
+          </a:ln>
+        </p:spPr>
+        <p:style>
+          <a:lnRef idx="1">
+            <a:schemeClr val="accent1"/>
+          </a:lnRef>
+          <a:fillRef idx="0">
+            <a:schemeClr val="accent1"/>
+          </a:fillRef>
+          <a:effectRef idx="0">
+            <a:schemeClr val="accent1"/>
+          </a:effectRef>
+          <a:fontRef idx="minor">
+            <a:schemeClr val="tx1"/>
+          </a:fontRef>
+        </p:style>
+      </p:cxnSp>
+      <p:cxnSp>
+        <p:nvCxnSpPr>
+          <p:cNvPr id="40" name="直接连接符 39"/>
+          <p:cNvCxnSpPr>
+            <a:cxnSpLocks/>
+          </p:cNvCxnSpPr>
+          <p:nvPr/>
+        </p:nvCxnSpPr>
+        <p:spPr>
+          <a:xfrm>
+            <a:off x="7321959" y="4126230"/>
+            <a:ext cx="4870041" cy="2731770"/>
+          </a:xfrm>
+          <a:prstGeom prst="line">
+            <a:avLst/>
+          </a:prstGeom>
+          <a:ln>
+            <a:solidFill>
+              <a:schemeClr val="tx2">
+                <a:lumMod val="75000"/>
+              </a:schemeClr>
+            </a:solidFill>
+          </a:ln>
+        </p:spPr>
+        <p:style>
+          <a:lnRef idx="1">
+            <a:schemeClr val="accent1"/>
+          </a:lnRef>
+          <a:fillRef idx="0">
+            <a:schemeClr val="accent1"/>
+          </a:fillRef>
+          <a:effectRef idx="0">
+            <a:schemeClr val="accent1"/>
+          </a:effectRef>
+          <a:fontRef idx="minor">
+            <a:schemeClr val="tx1"/>
+          </a:fontRef>
+        </p:style>
+      </p:cxnSp>
+      <p:cxnSp>
+        <p:nvCxnSpPr>
+          <p:cNvPr id="43" name="直接连接符 42"/>
+          <p:cNvCxnSpPr>
+            <a:cxnSpLocks/>
+          </p:cNvCxnSpPr>
+          <p:nvPr/>
+        </p:nvCxnSpPr>
+        <p:spPr>
+          <a:xfrm flipV="1">
+            <a:off x="7332097" y="1553251"/>
+            <a:ext cx="4859903" cy="1102319"/>
+          </a:xfrm>
+          <a:prstGeom prst="line">
+            <a:avLst/>
+          </a:prstGeom>
+          <a:ln>
+            <a:solidFill>
+              <a:schemeClr val="tx2">
+                <a:lumMod val="75000"/>
+              </a:schemeClr>
+            </a:solidFill>
+          </a:ln>
+        </p:spPr>
+        <p:style>
+          <a:lnRef idx="1">
+            <a:schemeClr val="accent1"/>
+          </a:lnRef>
+          <a:fillRef idx="0">
+            <a:schemeClr val="accent1"/>
+          </a:fillRef>
+          <a:effectRef idx="0">
+            <a:schemeClr val="accent1"/>
+          </a:effectRef>
+          <a:fontRef idx="minor">
+            <a:schemeClr val="tx1"/>
+          </a:fontRef>
+        </p:style>
+      </p:cxnSp>
+      <p:cxnSp>
+        <p:nvCxnSpPr>
+          <p:cNvPr id="48" name="直接连接符 47"/>
+          <p:cNvCxnSpPr>
+            <a:cxnSpLocks/>
+          </p:cNvCxnSpPr>
+          <p:nvPr/>
+        </p:nvCxnSpPr>
+        <p:spPr>
+          <a:xfrm>
+            <a:off x="3040644" y="0"/>
+            <a:ext cx="2158994" cy="1920240"/>
+          </a:xfrm>
+          <a:prstGeom prst="line">
+            <a:avLst/>
+          </a:prstGeom>
+          <a:ln>
+            <a:solidFill>
+              <a:schemeClr val="tx2">
+                <a:lumMod val="75000"/>
+              </a:schemeClr>
+            </a:solidFill>
+          </a:ln>
+        </p:spPr>
+        <p:style>
+          <a:lnRef idx="1">
+            <a:schemeClr val="accent1"/>
+          </a:lnRef>
+          <a:fillRef idx="0">
+            <a:schemeClr val="accent1"/>
+          </a:fillRef>
+          <a:effectRef idx="0">
+            <a:schemeClr val="accent1"/>
+          </a:effectRef>
+          <a:fontRef idx="minor">
+            <a:schemeClr val="tx1"/>
+          </a:fontRef>
+        </p:style>
+      </p:cxnSp>
+      <p:cxnSp>
+        <p:nvCxnSpPr>
+          <p:cNvPr id="51" name="直接连接符 50"/>
+          <p:cNvCxnSpPr>
+            <a:cxnSpLocks/>
+          </p:cNvCxnSpPr>
+          <p:nvPr/>
+        </p:nvCxnSpPr>
+        <p:spPr>
+          <a:xfrm flipV="1">
+            <a:off x="6905604" y="0"/>
+            <a:ext cx="2235944" cy="1920240"/>
+          </a:xfrm>
+          <a:prstGeom prst="line">
+            <a:avLst/>
+          </a:prstGeom>
+          <a:ln>
+            <a:solidFill>
+              <a:schemeClr val="tx2">
+                <a:lumMod val="75000"/>
+              </a:schemeClr>
+            </a:solidFill>
+          </a:ln>
+        </p:spPr>
+        <p:style>
+          <a:lnRef idx="1">
+            <a:schemeClr val="accent1"/>
+          </a:lnRef>
+          <a:fillRef idx="0">
+            <a:schemeClr val="accent1"/>
+          </a:fillRef>
+          <a:effectRef idx="0">
+            <a:schemeClr val="accent1"/>
+          </a:effectRef>
+          <a:fontRef idx="minor">
+            <a:schemeClr val="tx1"/>
+          </a:fontRef>
+        </p:style>
+      </p:cxnSp>
+      <p:cxnSp>
+        <p:nvCxnSpPr>
+          <p:cNvPr id="71" name="直接连接符 70"/>
+          <p:cNvCxnSpPr>
+            <a:cxnSpLocks/>
+          </p:cNvCxnSpPr>
+          <p:nvPr/>
+        </p:nvCxnSpPr>
+        <p:spPr>
+          <a:xfrm flipV="1">
+            <a:off x="0" y="3390897"/>
+            <a:ext cx="5195866" cy="845437"/>
+          </a:xfrm>
+          <a:prstGeom prst="line">
+            <a:avLst/>
+          </a:prstGeom>
+          <a:ln>
+            <a:solidFill>
+              <a:schemeClr val="tx2">
+                <a:lumMod val="75000"/>
+              </a:schemeClr>
+            </a:solidFill>
+          </a:ln>
+        </p:spPr>
+        <p:style>
+          <a:lnRef idx="1">
+            <a:schemeClr val="accent1"/>
+          </a:lnRef>
+          <a:fillRef idx="0">
+            <a:schemeClr val="accent1"/>
+          </a:fillRef>
+          <a:effectRef idx="0">
+            <a:schemeClr val="accent1"/>
+          </a:effectRef>
+          <a:fontRef idx="minor">
+            <a:schemeClr val="tx1"/>
+          </a:fontRef>
+        </p:style>
+      </p:cxnSp>
+      <p:cxnSp>
+        <p:nvCxnSpPr>
+          <p:cNvPr id="76" name="直接连接符 75"/>
+          <p:cNvCxnSpPr>
+            <a:cxnSpLocks/>
+          </p:cNvCxnSpPr>
+          <p:nvPr/>
+        </p:nvCxnSpPr>
+        <p:spPr>
+          <a:xfrm>
+            <a:off x="6052617" y="4861560"/>
+            <a:ext cx="1273324" cy="1996440"/>
+          </a:xfrm>
+          <a:prstGeom prst="line">
+            <a:avLst/>
+          </a:prstGeom>
+          <a:ln>
+            <a:solidFill>
+              <a:schemeClr val="tx2">
+                <a:lumMod val="75000"/>
+              </a:schemeClr>
+            </a:solidFill>
+          </a:ln>
+        </p:spPr>
+        <p:style>
+          <a:lnRef idx="1">
+            <a:schemeClr val="accent1"/>
+          </a:lnRef>
+          <a:fillRef idx="0">
+            <a:schemeClr val="accent1"/>
+          </a:fillRef>
+          <a:effectRef idx="0">
+            <a:schemeClr val="accent1"/>
+          </a:effectRef>
+          <a:fontRef idx="minor">
+            <a:schemeClr val="tx1"/>
+          </a:fontRef>
+        </p:style>
+      </p:cxnSp>
+      <p:sp>
+        <p:nvSpPr>
+          <p:cNvPr id="82" name="等腰三角形 81"/>
           <p:cNvSpPr/>
           <p:nvPr/>
         </p:nvSpPr>
         <p:spPr>
-          <a:xfrm rot="16200000">
-            <a:off x="5836551" y="512152"/>
-            <a:ext cx="518904" cy="12191999"/>
-          </a:xfrm>
-          <a:prstGeom prst="rect">
-            <a:avLst/>
-          </a:prstGeom>
-          <a:gradFill flip="none" rotWithShape="1">
-            <a:gsLst>
-              <a:gs pos="0">
-                <a:srgbClr val="163048"/>
-              </a:gs>
-              <a:gs pos="100000">
-                <a:srgbClr val="0A1721"/>
-              </a:gs>
-            </a:gsLst>
-            <a:lin ang="0" scaled="1"/>
-            <a:tileRect/>
-          </a:gradFill>
+          <a:xfrm rot="4618794">
+            <a:off x="704415" y="4686300"/>
+            <a:ext cx="350520" cy="350520"/>
+          </a:xfrm>
+          <a:prstGeom prst="triangle">
+            <a:avLst>
+              <a:gd name="adj" fmla="val 39850"/>
+            </a:avLst>
+          </a:prstGeom>
+          <a:solidFill>
+            <a:schemeClr val="accent3">
+              <a:lumMod val="50000"/>
+            </a:schemeClr>
+          </a:solidFill>
           <a:ln>
             <a:noFill/>
           </a:ln>
@@ -7941,30 +7706,21 @@
       </p:sp>
       <p:sp>
         <p:nvSpPr>
-          <p:cNvPr id="51" name="矩形 50"/>
+          <p:cNvPr id="88" name="等腰三角形 87"/>
           <p:cNvSpPr/>
           <p:nvPr/>
         </p:nvSpPr>
         <p:spPr>
-          <a:xfrm rot="16200000">
-            <a:off x="6014983" y="-6014977"/>
-            <a:ext cx="162046" cy="12191999"/>
-          </a:xfrm>
-          <a:prstGeom prst="rect">
-            <a:avLst/>
-          </a:prstGeom>
-          <a:gradFill flip="none" rotWithShape="1">
-            <a:gsLst>
-              <a:gs pos="0">
-                <a:srgbClr val="163048"/>
-              </a:gs>
-              <a:gs pos="100000">
-                <a:srgbClr val="0A1721"/>
-              </a:gs>
-            </a:gsLst>
-            <a:lin ang="0" scaled="1"/>
-            <a:tileRect/>
-          </a:gradFill>
+          <a:xfrm rot="15846274">
+            <a:off x="11816924" y="2268724"/>
+            <a:ext cx="171058" cy="171058"/>
+          </a:xfrm>
+          <a:prstGeom prst="triangle">
+            <a:avLst/>
+          </a:prstGeom>
+          <a:solidFill>
+            <a:srgbClr val="FED593"/>
+          </a:solidFill>
           <a:ln>
             <a:noFill/>
           </a:ln>
@@ -7996,10 +7752,102 @@
       </p:sp>
       <p:sp>
         <p:nvSpPr>
-          <p:cNvPr id="38" name="文本框 18">
+          <p:cNvPr id="91" name="等腰三角形 90"/>
+          <p:cNvSpPr/>
+          <p:nvPr/>
+        </p:nvSpPr>
+        <p:spPr>
+          <a:xfrm rot="13354789">
+            <a:off x="10651707" y="669566"/>
+            <a:ext cx="383872" cy="383872"/>
+          </a:xfrm>
+          <a:prstGeom prst="triangle">
+            <a:avLst/>
+          </a:prstGeom>
+          <a:solidFill>
+            <a:srgbClr val="FFC000"/>
+          </a:solidFill>
+          <a:ln>
+            <a:noFill/>
+          </a:ln>
+        </p:spPr>
+        <p:style>
+          <a:lnRef idx="2">
+            <a:schemeClr val="accent1">
+              <a:shade val="50000"/>
+            </a:schemeClr>
+          </a:lnRef>
+          <a:fillRef idx="1">
+            <a:schemeClr val="accent1"/>
+          </a:fillRef>
+          <a:effectRef idx="0">
+            <a:schemeClr val="accent1"/>
+          </a:effectRef>
+          <a:fontRef idx="minor">
+            <a:schemeClr val="lt1"/>
+          </a:fontRef>
+        </p:style>
+        <p:txBody>
+          <a:bodyPr rtlCol="0" anchor="ctr"/>
+          <a:lstStyle/>
+          <a:p>
+            <a:pPr algn="ctr"/>
+            <a:endParaRPr lang="zh-CN" altLang="en-US"/>
+          </a:p>
+        </p:txBody>
+      </p:sp>
+      <p:sp>
+        <p:nvSpPr>
+          <p:cNvPr id="93" name="等腰三角形 92"/>
+          <p:cNvSpPr/>
+          <p:nvPr/>
+        </p:nvSpPr>
+        <p:spPr>
+          <a:xfrm rot="8100000">
+            <a:off x="1940981" y="1148347"/>
+            <a:ext cx="249666" cy="249666"/>
+          </a:xfrm>
+          <a:prstGeom prst="triangle">
+            <a:avLst/>
+          </a:prstGeom>
+          <a:solidFill>
+            <a:schemeClr val="accent2"/>
+          </a:solidFill>
+          <a:ln>
+            <a:noFill/>
+          </a:ln>
+        </p:spPr>
+        <p:style>
+          <a:lnRef idx="2">
+            <a:schemeClr val="accent1">
+              <a:shade val="50000"/>
+            </a:schemeClr>
+          </a:lnRef>
+          <a:fillRef idx="1">
+            <a:schemeClr val="accent1"/>
+          </a:fillRef>
+          <a:effectRef idx="0">
+            <a:schemeClr val="accent1"/>
+          </a:effectRef>
+          <a:fontRef idx="minor">
+            <a:schemeClr val="lt1"/>
+          </a:fontRef>
+        </p:style>
+        <p:txBody>
+          <a:bodyPr rtlCol="0" anchor="ctr"/>
+          <a:lstStyle/>
+          <a:p>
+            <a:pPr algn="ctr"/>
+            <a:endParaRPr lang="zh-CN" altLang="en-US"/>
+          </a:p>
+        </p:txBody>
+      </p:sp>
+      <p:sp>
+        <p:nvSpPr>
+          <p:cNvPr id="44" name="文本框 18">
             <a:extLst>
               <a:ext uri="{FF2B5EF4-FFF2-40B4-BE49-F238E27FC236}">
-                <a16:creationId xmlns:a16="http://schemas.microsoft.com/office/drawing/2014/main" id="{5B4A12B2-31F1-43BA-AA8E-C618ADCF1ED8}"/>
+                <a16:creationId xmlns:a16="http://schemas.microsoft.com/office/drawing/2014/main" id="{115D0F91-84F6-4206-A11F-6EF9A5DAAFCE}"/>
               </a:ext>
             </a:extLst>
           </p:cNvPr>
@@ -8008,8 +7856,8 @@
         </p:nvSpPr>
         <p:spPr>
           <a:xfrm>
-            <a:off x="542827" y="615949"/>
-            <a:ext cx="1743173" cy="584775"/>
+            <a:off x="272235" y="297917"/>
+            <a:ext cx="4697283" cy="584775"/>
           </a:xfrm>
           <a:prstGeom prst="rect">
             <a:avLst/>
@@ -8041,39 +7889,485 @@
                 </a:solidFill>
                 <a:latin typeface="Century Gothic" panose="020B0502020202020204" pitchFamily="34" charset="0"/>
               </a:rPr>
-              <a:t>Result</a:t>
-            </a:r>
-            <a:endParaRPr lang="zh-CN" altLang="en-US" sz="6000" b="1" dirty="0">
-              <a:solidFill>
-                <a:schemeClr val="bg1"/>
-              </a:solidFill>
-              <a:latin typeface="Century Gothic" panose="020B0502020202020204" pitchFamily="34" charset="0"/>
-            </a:endParaRPr>
-          </a:p>
-        </p:txBody>
-      </p:sp>
-      <p:sp>
-        <p:nvSpPr>
-          <p:cNvPr id="28" name="等腰三角形 29">
+              <a:t>Result for Scenario 1&amp;2</a:t>
+            </a:r>
+          </a:p>
+        </p:txBody>
+      </p:sp>
+      <p:pic>
+        <p:nvPicPr>
+          <p:cNvPr id="3" name="Picture 2" descr="A screenshot of a cell phone&#10;&#10;Description automatically generated">
             <a:extLst>
               <a:ext uri="{FF2B5EF4-FFF2-40B4-BE49-F238E27FC236}">
-                <a16:creationId xmlns:a16="http://schemas.microsoft.com/office/drawing/2014/main" id="{AB8CA162-4315-40B1-B60E-BB81F39F9BA1}"/>
+                <a16:creationId xmlns:a16="http://schemas.microsoft.com/office/drawing/2014/main" id="{5E777174-F2BC-4474-9867-BCA3AFD45ABC}"/>
               </a:ext>
             </a:extLst>
           </p:cNvPr>
+          <p:cNvPicPr>
+            <a:picLocks noChangeAspect="1"/>
+          </p:cNvPicPr>
+          <p:nvPr/>
+        </p:nvPicPr>
+        <p:blipFill>
+          <a:blip r:embed="rId2">
+            <a:extLst>
+              <a:ext uri="{28A0092B-C50C-407E-A947-70E740481C1C}">
+                <a14:useLocalDpi xmlns:a14="http://schemas.microsoft.com/office/drawing/2010/main" val="0"/>
+              </a:ext>
+            </a:extLst>
+          </a:blip>
+          <a:stretch>
+            <a:fillRect/>
+          </a:stretch>
+        </p:blipFill>
+        <p:spPr>
+          <a:xfrm>
+            <a:off x="2502038" y="1175081"/>
+            <a:ext cx="7414122" cy="5393982"/>
+          </a:xfrm>
+          <a:prstGeom prst="rect">
+            <a:avLst/>
+          </a:prstGeom>
+        </p:spPr>
+      </p:pic>
+    </p:spTree>
+    <p:extLst>
+      <p:ext uri="{BB962C8B-B14F-4D97-AF65-F5344CB8AC3E}">
+        <p14:creationId xmlns:p14="http://schemas.microsoft.com/office/powerpoint/2010/main" val="1974478299"/>
+      </p:ext>
+    </p:extLst>
+  </p:cSld>
+  <p:clrMapOvr>
+    <a:masterClrMapping/>
+  </p:clrMapOvr>
+</p:sld>
+</file>
+
+<file path=ppt/slides/slide7.xml><?xml version="1.0" encoding="utf-8"?>
+<p:sld xmlns:a="http://schemas.openxmlformats.org/drawingml/2006/main" xmlns:r="http://schemas.openxmlformats.org/officeDocument/2006/relationships" xmlns:p="http://schemas.openxmlformats.org/presentationml/2006/main">
+  <p:cSld>
+    <p:spTree>
+      <p:nvGrpSpPr>
+        <p:cNvPr id="1" name=""/>
+        <p:cNvGrpSpPr/>
+        <p:nvPr/>
+      </p:nvGrpSpPr>
+      <p:grpSpPr>
+        <a:xfrm>
+          <a:off x="0" y="0"/>
+          <a:ext cx="0" cy="0"/>
+          <a:chOff x="0" y="0"/>
+          <a:chExt cx="0" cy="0"/>
+        </a:xfrm>
+      </p:grpSpPr>
+      <p:cxnSp>
+        <p:nvCxnSpPr>
+          <p:cNvPr id="27" name="直接连接符 26"/>
+          <p:cNvCxnSpPr>
+            <a:cxnSpLocks/>
+          </p:cNvCxnSpPr>
+          <p:nvPr/>
+        </p:nvCxnSpPr>
+        <p:spPr>
+          <a:xfrm flipH="1">
+            <a:off x="6052622" y="0"/>
+            <a:ext cx="54691" cy="1920240"/>
+          </a:xfrm>
+          <a:prstGeom prst="line">
+            <a:avLst/>
+          </a:prstGeom>
+          <a:ln>
+            <a:solidFill>
+              <a:schemeClr val="tx2">
+                <a:lumMod val="75000"/>
+              </a:schemeClr>
+            </a:solidFill>
+          </a:ln>
+        </p:spPr>
+        <p:style>
+          <a:lnRef idx="1">
+            <a:schemeClr val="accent1"/>
+          </a:lnRef>
+          <a:fillRef idx="0">
+            <a:schemeClr val="accent1"/>
+          </a:fillRef>
+          <a:effectRef idx="0">
+            <a:schemeClr val="accent1"/>
+          </a:effectRef>
+          <a:fontRef idx="minor">
+            <a:schemeClr val="tx1"/>
+          </a:fontRef>
+        </p:style>
+      </p:cxnSp>
+      <p:cxnSp>
+        <p:nvCxnSpPr>
+          <p:cNvPr id="28" name="直接连接符 27"/>
+          <p:cNvCxnSpPr>
+            <a:cxnSpLocks/>
+          </p:cNvCxnSpPr>
+          <p:nvPr/>
+        </p:nvCxnSpPr>
+        <p:spPr>
+          <a:xfrm>
+            <a:off x="0" y="590306"/>
+            <a:ext cx="4769374" cy="2065261"/>
+          </a:xfrm>
+          <a:prstGeom prst="line">
+            <a:avLst/>
+          </a:prstGeom>
+          <a:ln>
+            <a:solidFill>
+              <a:schemeClr val="tx2">
+                <a:lumMod val="75000"/>
+              </a:schemeClr>
+            </a:solidFill>
+          </a:ln>
+        </p:spPr>
+        <p:style>
+          <a:lnRef idx="1">
+            <a:schemeClr val="accent1"/>
+          </a:lnRef>
+          <a:fillRef idx="0">
+            <a:schemeClr val="accent1"/>
+          </a:fillRef>
+          <a:effectRef idx="0">
+            <a:schemeClr val="accent1"/>
+          </a:effectRef>
+          <a:fontRef idx="minor">
+            <a:schemeClr val="tx1"/>
+          </a:fontRef>
+        </p:style>
+      </p:cxnSp>
+      <p:cxnSp>
+        <p:nvCxnSpPr>
+          <p:cNvPr id="31" name="直接连接符 30"/>
+          <p:cNvCxnSpPr>
+            <a:cxnSpLocks/>
+          </p:cNvCxnSpPr>
+          <p:nvPr/>
+        </p:nvCxnSpPr>
+        <p:spPr>
+          <a:xfrm flipV="1">
+            <a:off x="879676" y="4861560"/>
+            <a:ext cx="4326109" cy="1996440"/>
+          </a:xfrm>
+          <a:prstGeom prst="line">
+            <a:avLst/>
+          </a:prstGeom>
+          <a:ln>
+            <a:solidFill>
+              <a:schemeClr val="tx2">
+                <a:lumMod val="75000"/>
+              </a:schemeClr>
+            </a:solidFill>
+          </a:ln>
+        </p:spPr>
+        <p:style>
+          <a:lnRef idx="1">
+            <a:schemeClr val="accent1"/>
+          </a:lnRef>
+          <a:fillRef idx="0">
+            <a:schemeClr val="accent1"/>
+          </a:fillRef>
+          <a:effectRef idx="0">
+            <a:schemeClr val="accent1"/>
+          </a:effectRef>
+          <a:fontRef idx="minor">
+            <a:schemeClr val="tx1"/>
+          </a:fontRef>
+        </p:style>
+      </p:cxnSp>
+      <p:cxnSp>
+        <p:nvCxnSpPr>
+          <p:cNvPr id="34" name="直接连接符 33"/>
+          <p:cNvCxnSpPr>
+            <a:cxnSpLocks/>
+          </p:cNvCxnSpPr>
+          <p:nvPr/>
+        </p:nvCxnSpPr>
+        <p:spPr>
+          <a:xfrm>
+            <a:off x="6905605" y="3390900"/>
+            <a:ext cx="5286395" cy="1169525"/>
+          </a:xfrm>
+          <a:prstGeom prst="line">
+            <a:avLst/>
+          </a:prstGeom>
+          <a:ln>
+            <a:solidFill>
+              <a:schemeClr val="tx2">
+                <a:lumMod val="75000"/>
+              </a:schemeClr>
+            </a:solidFill>
+          </a:ln>
+        </p:spPr>
+        <p:style>
+          <a:lnRef idx="1">
+            <a:schemeClr val="accent1"/>
+          </a:lnRef>
+          <a:fillRef idx="0">
+            <a:schemeClr val="accent1"/>
+          </a:fillRef>
+          <a:effectRef idx="0">
+            <a:schemeClr val="accent1"/>
+          </a:effectRef>
+          <a:fontRef idx="minor">
+            <a:schemeClr val="tx1"/>
+          </a:fontRef>
+        </p:style>
+      </p:cxnSp>
+      <p:cxnSp>
+        <p:nvCxnSpPr>
+          <p:cNvPr id="40" name="直接连接符 39"/>
+          <p:cNvCxnSpPr>
+            <a:cxnSpLocks/>
+          </p:cNvCxnSpPr>
+          <p:nvPr/>
+        </p:nvCxnSpPr>
+        <p:spPr>
+          <a:xfrm>
+            <a:off x="7321959" y="4126230"/>
+            <a:ext cx="4870041" cy="2731770"/>
+          </a:xfrm>
+          <a:prstGeom prst="line">
+            <a:avLst/>
+          </a:prstGeom>
+          <a:ln>
+            <a:solidFill>
+              <a:schemeClr val="tx2">
+                <a:lumMod val="75000"/>
+              </a:schemeClr>
+            </a:solidFill>
+          </a:ln>
+        </p:spPr>
+        <p:style>
+          <a:lnRef idx="1">
+            <a:schemeClr val="accent1"/>
+          </a:lnRef>
+          <a:fillRef idx="0">
+            <a:schemeClr val="accent1"/>
+          </a:fillRef>
+          <a:effectRef idx="0">
+            <a:schemeClr val="accent1"/>
+          </a:effectRef>
+          <a:fontRef idx="minor">
+            <a:schemeClr val="tx1"/>
+          </a:fontRef>
+        </p:style>
+      </p:cxnSp>
+      <p:cxnSp>
+        <p:nvCxnSpPr>
+          <p:cNvPr id="43" name="直接连接符 42"/>
+          <p:cNvCxnSpPr>
+            <a:cxnSpLocks/>
+          </p:cNvCxnSpPr>
+          <p:nvPr/>
+        </p:nvCxnSpPr>
+        <p:spPr>
+          <a:xfrm flipV="1">
+            <a:off x="7332097" y="1553251"/>
+            <a:ext cx="4859903" cy="1102319"/>
+          </a:xfrm>
+          <a:prstGeom prst="line">
+            <a:avLst/>
+          </a:prstGeom>
+          <a:ln>
+            <a:solidFill>
+              <a:schemeClr val="tx2">
+                <a:lumMod val="75000"/>
+              </a:schemeClr>
+            </a:solidFill>
+          </a:ln>
+        </p:spPr>
+        <p:style>
+          <a:lnRef idx="1">
+            <a:schemeClr val="accent1"/>
+          </a:lnRef>
+          <a:fillRef idx="0">
+            <a:schemeClr val="accent1"/>
+          </a:fillRef>
+          <a:effectRef idx="0">
+            <a:schemeClr val="accent1"/>
+          </a:effectRef>
+          <a:fontRef idx="minor">
+            <a:schemeClr val="tx1"/>
+          </a:fontRef>
+        </p:style>
+      </p:cxnSp>
+      <p:cxnSp>
+        <p:nvCxnSpPr>
+          <p:cNvPr id="48" name="直接连接符 47"/>
+          <p:cNvCxnSpPr>
+            <a:cxnSpLocks/>
+          </p:cNvCxnSpPr>
+          <p:nvPr/>
+        </p:nvCxnSpPr>
+        <p:spPr>
+          <a:xfrm>
+            <a:off x="3040644" y="0"/>
+            <a:ext cx="2158994" cy="1920240"/>
+          </a:xfrm>
+          <a:prstGeom prst="line">
+            <a:avLst/>
+          </a:prstGeom>
+          <a:ln>
+            <a:solidFill>
+              <a:schemeClr val="tx2">
+                <a:lumMod val="75000"/>
+              </a:schemeClr>
+            </a:solidFill>
+          </a:ln>
+        </p:spPr>
+        <p:style>
+          <a:lnRef idx="1">
+            <a:schemeClr val="accent1"/>
+          </a:lnRef>
+          <a:fillRef idx="0">
+            <a:schemeClr val="accent1"/>
+          </a:fillRef>
+          <a:effectRef idx="0">
+            <a:schemeClr val="accent1"/>
+          </a:effectRef>
+          <a:fontRef idx="minor">
+            <a:schemeClr val="tx1"/>
+          </a:fontRef>
+        </p:style>
+      </p:cxnSp>
+      <p:cxnSp>
+        <p:nvCxnSpPr>
+          <p:cNvPr id="51" name="直接连接符 50"/>
+          <p:cNvCxnSpPr>
+            <a:cxnSpLocks/>
+          </p:cNvCxnSpPr>
+          <p:nvPr/>
+        </p:nvCxnSpPr>
+        <p:spPr>
+          <a:xfrm flipV="1">
+            <a:off x="6905604" y="0"/>
+            <a:ext cx="2235944" cy="1920240"/>
+          </a:xfrm>
+          <a:prstGeom prst="line">
+            <a:avLst/>
+          </a:prstGeom>
+          <a:ln>
+            <a:solidFill>
+              <a:schemeClr val="tx2">
+                <a:lumMod val="75000"/>
+              </a:schemeClr>
+            </a:solidFill>
+          </a:ln>
+        </p:spPr>
+        <p:style>
+          <a:lnRef idx="1">
+            <a:schemeClr val="accent1"/>
+          </a:lnRef>
+          <a:fillRef idx="0">
+            <a:schemeClr val="accent1"/>
+          </a:fillRef>
+          <a:effectRef idx="0">
+            <a:schemeClr val="accent1"/>
+          </a:effectRef>
+          <a:fontRef idx="minor">
+            <a:schemeClr val="tx1"/>
+          </a:fontRef>
+        </p:style>
+      </p:cxnSp>
+      <p:cxnSp>
+        <p:nvCxnSpPr>
+          <p:cNvPr id="71" name="直接连接符 70"/>
+          <p:cNvCxnSpPr>
+            <a:cxnSpLocks/>
+          </p:cNvCxnSpPr>
+          <p:nvPr/>
+        </p:nvCxnSpPr>
+        <p:spPr>
+          <a:xfrm flipV="1">
+            <a:off x="0" y="3390897"/>
+            <a:ext cx="5195866" cy="845437"/>
+          </a:xfrm>
+          <a:prstGeom prst="line">
+            <a:avLst/>
+          </a:prstGeom>
+          <a:ln>
+            <a:solidFill>
+              <a:schemeClr val="tx2">
+                <a:lumMod val="75000"/>
+              </a:schemeClr>
+            </a:solidFill>
+          </a:ln>
+        </p:spPr>
+        <p:style>
+          <a:lnRef idx="1">
+            <a:schemeClr val="accent1"/>
+          </a:lnRef>
+          <a:fillRef idx="0">
+            <a:schemeClr val="accent1"/>
+          </a:fillRef>
+          <a:effectRef idx="0">
+            <a:schemeClr val="accent1"/>
+          </a:effectRef>
+          <a:fontRef idx="minor">
+            <a:schemeClr val="tx1"/>
+          </a:fontRef>
+        </p:style>
+      </p:cxnSp>
+      <p:cxnSp>
+        <p:nvCxnSpPr>
+          <p:cNvPr id="76" name="直接连接符 75"/>
+          <p:cNvCxnSpPr>
+            <a:cxnSpLocks/>
+          </p:cNvCxnSpPr>
+          <p:nvPr/>
+        </p:nvCxnSpPr>
+        <p:spPr>
+          <a:xfrm>
+            <a:off x="6052617" y="4861560"/>
+            <a:ext cx="1273324" cy="1996440"/>
+          </a:xfrm>
+          <a:prstGeom prst="line">
+            <a:avLst/>
+          </a:prstGeom>
+          <a:ln>
+            <a:solidFill>
+              <a:schemeClr val="tx2">
+                <a:lumMod val="75000"/>
+              </a:schemeClr>
+            </a:solidFill>
+          </a:ln>
+        </p:spPr>
+        <p:style>
+          <a:lnRef idx="1">
+            <a:schemeClr val="accent1"/>
+          </a:lnRef>
+          <a:fillRef idx="0">
+            <a:schemeClr val="accent1"/>
+          </a:fillRef>
+          <a:effectRef idx="0">
+            <a:schemeClr val="accent1"/>
+          </a:effectRef>
+          <a:fontRef idx="minor">
+            <a:schemeClr val="tx1"/>
+          </a:fontRef>
+        </p:style>
+      </p:cxnSp>
+      <p:sp>
+        <p:nvSpPr>
+          <p:cNvPr id="82" name="等腰三角形 81"/>
           <p:cNvSpPr/>
           <p:nvPr/>
         </p:nvSpPr>
         <p:spPr>
-          <a:xfrm rot="5400000">
-            <a:off x="1156467" y="1880794"/>
-            <a:ext cx="357177" cy="307911"/>
+          <a:xfrm rot="4618794">
+            <a:off x="4095411" y="3380520"/>
+            <a:ext cx="350520" cy="350520"/>
           </a:xfrm>
           <a:prstGeom prst="triangle">
             <a:avLst/>
           </a:prstGeom>
           <a:solidFill>
-            <a:schemeClr val="accent5"/>
+            <a:schemeClr val="accent3">
+              <a:lumMod val="50000"/>
+            </a:schemeClr>
           </a:solidFill>
           <a:ln>
             <a:noFill/>
@@ -8106,26 +8400,20 @@
       </p:sp>
       <p:sp>
         <p:nvSpPr>
-          <p:cNvPr id="31" name="等腰三角形 21">
-            <a:extLst>
-              <a:ext uri="{FF2B5EF4-FFF2-40B4-BE49-F238E27FC236}">
-                <a16:creationId xmlns:a16="http://schemas.microsoft.com/office/drawing/2014/main" id="{42337D57-D69C-4665-9919-EFA296FD7CCF}"/>
-              </a:ext>
-            </a:extLst>
-          </p:cNvPr>
+          <p:cNvPr id="88" name="等腰三角形 87"/>
           <p:cNvSpPr/>
           <p:nvPr/>
         </p:nvSpPr>
         <p:spPr>
-          <a:xfrm rot="5400000">
-            <a:off x="1156467" y="3176704"/>
-            <a:ext cx="357177" cy="307911"/>
+          <a:xfrm rot="15846274">
+            <a:off x="6380510" y="2267671"/>
+            <a:ext cx="171058" cy="171058"/>
           </a:xfrm>
           <a:prstGeom prst="triangle">
             <a:avLst/>
           </a:prstGeom>
           <a:solidFill>
-            <a:srgbClr val="FFC000"/>
+            <a:srgbClr val="FED593"/>
           </a:solidFill>
           <a:ln>
             <a:noFill/>
@@ -8158,26 +8446,20 @@
       </p:sp>
       <p:sp>
         <p:nvSpPr>
-          <p:cNvPr id="32" name="等腰三角形 19">
-            <a:extLst>
-              <a:ext uri="{FF2B5EF4-FFF2-40B4-BE49-F238E27FC236}">
-                <a16:creationId xmlns:a16="http://schemas.microsoft.com/office/drawing/2014/main" id="{B5B01D97-6AF6-47FE-BC45-EBE19AC798CC}"/>
-              </a:ext>
-            </a:extLst>
-          </p:cNvPr>
+          <p:cNvPr id="91" name="等腰三角形 90"/>
           <p:cNvSpPr/>
           <p:nvPr/>
         </p:nvSpPr>
         <p:spPr>
-          <a:xfrm rot="5400000">
-            <a:off x="1156467" y="4483273"/>
-            <a:ext cx="357177" cy="307911"/>
+          <a:xfrm rot="13354789">
+            <a:off x="6545301" y="1172585"/>
+            <a:ext cx="383872" cy="383872"/>
           </a:xfrm>
           <a:prstGeom prst="triangle">
             <a:avLst/>
           </a:prstGeom>
           <a:solidFill>
-            <a:schemeClr val="accent2"/>
+            <a:srgbClr val="FFC000"/>
           </a:solidFill>
           <a:ln>
             <a:noFill/>
@@ -8208,32 +8490,323 @@
           </a:p>
         </p:txBody>
       </p:sp>
+      <p:sp>
+        <p:nvSpPr>
+          <p:cNvPr id="93" name="等腰三角形 92"/>
+          <p:cNvSpPr/>
+          <p:nvPr/>
+        </p:nvSpPr>
+        <p:spPr>
+          <a:xfrm rot="8100000">
+            <a:off x="4710261" y="1442322"/>
+            <a:ext cx="249666" cy="249666"/>
+          </a:xfrm>
+          <a:prstGeom prst="triangle">
+            <a:avLst/>
+          </a:prstGeom>
+          <a:solidFill>
+            <a:schemeClr val="accent2"/>
+          </a:solidFill>
+          <a:ln>
+            <a:noFill/>
+          </a:ln>
+        </p:spPr>
+        <p:style>
+          <a:lnRef idx="2">
+            <a:schemeClr val="accent1">
+              <a:shade val="50000"/>
+            </a:schemeClr>
+          </a:lnRef>
+          <a:fillRef idx="1">
+            <a:schemeClr val="accent1"/>
+          </a:fillRef>
+          <a:effectRef idx="0">
+            <a:schemeClr val="accent1"/>
+          </a:effectRef>
+          <a:fontRef idx="minor">
+            <a:schemeClr val="lt1"/>
+          </a:fontRef>
+        </p:style>
+        <p:txBody>
+          <a:bodyPr rtlCol="0" anchor="ctr"/>
+          <a:lstStyle/>
+          <a:p>
+            <a:pPr algn="ctr"/>
+            <a:endParaRPr lang="zh-CN" altLang="en-US"/>
+          </a:p>
+        </p:txBody>
+      </p:sp>
+      <p:sp>
+        <p:nvSpPr>
+          <p:cNvPr id="44" name="文本框 18">
+            <a:extLst>
+              <a:ext uri="{FF2B5EF4-FFF2-40B4-BE49-F238E27FC236}">
+                <a16:creationId xmlns:a16="http://schemas.microsoft.com/office/drawing/2014/main" id="{115D0F91-84F6-4206-A11F-6EF9A5DAAFCE}"/>
+              </a:ext>
+            </a:extLst>
+          </p:cNvPr>
+          <p:cNvSpPr txBox="1"/>
+          <p:nvPr/>
+        </p:nvSpPr>
+        <p:spPr>
+          <a:xfrm>
+            <a:off x="634939" y="473257"/>
+            <a:ext cx="2907671" cy="592332"/>
+          </a:xfrm>
+          <a:prstGeom prst="rect">
+            <a:avLst/>
+          </a:prstGeom>
+          <a:solidFill>
+            <a:schemeClr val="accent2">
+              <a:alpha val="81000"/>
+            </a:schemeClr>
+          </a:solidFill>
+          <a:effectLst>
+            <a:outerShdw blurRad="50800" dist="38100" dir="5400000" algn="t" rotWithShape="0">
+              <a:prstClr val="black">
+                <a:alpha val="40000"/>
+              </a:prstClr>
+            </a:outerShdw>
+          </a:effectLst>
+        </p:spPr>
+        <p:txBody>
+          <a:bodyPr wrap="square" rtlCol="0">
+            <a:spAutoFit/>
+          </a:bodyPr>
+          <a:lstStyle/>
+          <a:p>
+            <a:pPr algn="ctr"/>
+            <a:r>
+              <a:rPr lang="en-US" altLang="zh-CN" sz="3200" b="1" dirty="0">
+                <a:solidFill>
+                  <a:schemeClr val="bg1"/>
+                </a:solidFill>
+                <a:latin typeface="Century Gothic" panose="020B0502020202020204" pitchFamily="34" charset="0"/>
+              </a:rPr>
+              <a:t>Limitations</a:t>
+            </a:r>
+          </a:p>
+        </p:txBody>
+      </p:sp>
+      <p:sp>
+        <p:nvSpPr>
+          <p:cNvPr id="21" name="矩形 24">
+            <a:extLst>
+              <a:ext uri="{FF2B5EF4-FFF2-40B4-BE49-F238E27FC236}">
+                <a16:creationId xmlns:a16="http://schemas.microsoft.com/office/drawing/2014/main" id="{745D19A4-96DB-4DBD-8F73-D6680BABFE69}"/>
+              </a:ext>
+            </a:extLst>
+          </p:cNvPr>
+          <p:cNvSpPr/>
+          <p:nvPr/>
+        </p:nvSpPr>
+        <p:spPr>
+          <a:xfrm>
+            <a:off x="450349" y="1433254"/>
+            <a:ext cx="5117316" cy="4493290"/>
+          </a:xfrm>
+          <a:prstGeom prst="rect">
+            <a:avLst/>
+          </a:prstGeom>
+          <a:solidFill>
+            <a:schemeClr val="bg1">
+              <a:alpha val="80000"/>
+            </a:schemeClr>
+          </a:solidFill>
+          <a:ln>
+            <a:noFill/>
+          </a:ln>
+        </p:spPr>
+        <p:style>
+          <a:lnRef idx="2">
+            <a:schemeClr val="accent1">
+              <a:shade val="50000"/>
+            </a:schemeClr>
+          </a:lnRef>
+          <a:fillRef idx="1">
+            <a:schemeClr val="accent1"/>
+          </a:fillRef>
+          <a:effectRef idx="0">
+            <a:schemeClr val="accent1"/>
+          </a:effectRef>
+          <a:fontRef idx="minor">
+            <a:schemeClr val="lt1"/>
+          </a:fontRef>
+        </p:style>
+        <p:txBody>
+          <a:bodyPr rtlCol="0" anchor="ctr"/>
+          <a:lstStyle/>
+          <a:p>
+            <a:pPr marL="285750" indent="-285750" algn="ctr">
+              <a:buFont typeface="Wingdings" panose="05000000000000000000" pitchFamily="2" charset="2"/>
+              <a:buChar char="q"/>
+            </a:pPr>
+            <a:r>
+              <a:rPr lang="en-US" altLang="zh-CN" sz="2400" b="1" dirty="0">
+                <a:solidFill>
+                  <a:schemeClr val="tx1"/>
+                </a:solidFill>
+              </a:rPr>
+              <a:t>Current Dataset do not have a large amount of data to be used</a:t>
+            </a:r>
+          </a:p>
+          <a:p>
+            <a:pPr marL="285750" indent="-285750" algn="ctr">
+              <a:buFont typeface="Wingdings" panose="05000000000000000000" pitchFamily="2" charset="2"/>
+              <a:buChar char="q"/>
+            </a:pPr>
+            <a:endParaRPr lang="en-US" altLang="zh-CN" sz="2400" b="1" dirty="0">
+              <a:solidFill>
+                <a:schemeClr val="tx1"/>
+              </a:solidFill>
+            </a:endParaRPr>
+          </a:p>
+          <a:p>
+            <a:pPr marL="285750" indent="-285750" algn="ctr">
+              <a:buFont typeface="Wingdings" panose="05000000000000000000" pitchFamily="2" charset="2"/>
+              <a:buChar char="q"/>
+            </a:pPr>
+            <a:r>
+              <a:rPr lang="en-US" altLang="zh-CN" sz="2400" b="1" dirty="0">
+                <a:solidFill>
+                  <a:schemeClr val="tx1"/>
+                </a:solidFill>
+              </a:rPr>
+              <a:t>Historic moves may not be a true representation of future striker’s move  </a:t>
+            </a:r>
+          </a:p>
+        </p:txBody>
+      </p:sp>
+      <p:sp>
+        <p:nvSpPr>
+          <p:cNvPr id="22" name="文本框 18">
+            <a:extLst>
+              <a:ext uri="{FF2B5EF4-FFF2-40B4-BE49-F238E27FC236}">
+                <a16:creationId xmlns:a16="http://schemas.microsoft.com/office/drawing/2014/main" id="{4643A431-A9F2-46A4-A885-B99F5D019D00}"/>
+              </a:ext>
+            </a:extLst>
+          </p:cNvPr>
+          <p:cNvSpPr txBox="1"/>
+          <p:nvPr/>
+        </p:nvSpPr>
+        <p:spPr>
+          <a:xfrm>
+            <a:off x="7008434" y="484203"/>
+            <a:ext cx="2701836" cy="584775"/>
+          </a:xfrm>
+          <a:prstGeom prst="rect">
+            <a:avLst/>
+          </a:prstGeom>
+          <a:solidFill>
+            <a:schemeClr val="accent2">
+              <a:alpha val="81000"/>
+            </a:schemeClr>
+          </a:solidFill>
+          <a:effectLst>
+            <a:outerShdw blurRad="50800" dist="38100" dir="5400000" algn="t" rotWithShape="0">
+              <a:prstClr val="black">
+                <a:alpha val="40000"/>
+              </a:prstClr>
+            </a:outerShdw>
+          </a:effectLst>
+        </p:spPr>
+        <p:txBody>
+          <a:bodyPr wrap="square" rtlCol="0">
+            <a:spAutoFit/>
+          </a:bodyPr>
+          <a:lstStyle/>
+          <a:p>
+            <a:pPr algn="ctr"/>
+            <a:r>
+              <a:rPr lang="en-US" altLang="zh-CN" sz="3200" b="1" dirty="0">
+                <a:solidFill>
+                  <a:schemeClr val="bg1"/>
+                </a:solidFill>
+                <a:latin typeface="Century Gothic" panose="020B0502020202020204" pitchFamily="34" charset="0"/>
+              </a:rPr>
+              <a:t>Future Work</a:t>
+            </a:r>
+          </a:p>
+        </p:txBody>
+      </p:sp>
+      <p:sp>
+        <p:nvSpPr>
+          <p:cNvPr id="20" name="矩形 24">
+            <a:extLst>
+              <a:ext uri="{FF2B5EF4-FFF2-40B4-BE49-F238E27FC236}">
+                <a16:creationId xmlns:a16="http://schemas.microsoft.com/office/drawing/2014/main" id="{2A1E0F4A-A7CF-47E6-83A5-4CAFDBAF8619}"/>
+              </a:ext>
+            </a:extLst>
+          </p:cNvPr>
+          <p:cNvSpPr/>
+          <p:nvPr/>
+        </p:nvSpPr>
+        <p:spPr>
+          <a:xfrm>
+            <a:off x="6765929" y="1433254"/>
+            <a:ext cx="4900985" cy="4493290"/>
+          </a:xfrm>
+          <a:prstGeom prst="rect">
+            <a:avLst/>
+          </a:prstGeom>
+          <a:solidFill>
+            <a:schemeClr val="bg1">
+              <a:alpha val="80000"/>
+            </a:schemeClr>
+          </a:solidFill>
+          <a:ln>
+            <a:noFill/>
+          </a:ln>
+        </p:spPr>
+        <p:style>
+          <a:lnRef idx="2">
+            <a:schemeClr val="accent1">
+              <a:shade val="50000"/>
+            </a:schemeClr>
+          </a:lnRef>
+          <a:fillRef idx="1">
+            <a:schemeClr val="accent1"/>
+          </a:fillRef>
+          <a:effectRef idx="0">
+            <a:schemeClr val="accent1"/>
+          </a:effectRef>
+          <a:fontRef idx="minor">
+            <a:schemeClr val="lt1"/>
+          </a:fontRef>
+        </p:style>
+        <p:txBody>
+          <a:bodyPr rtlCol="0" anchor="ctr"/>
+          <a:lstStyle/>
+          <a:p>
+            <a:pPr marL="342900" indent="-342900">
+              <a:buFont typeface="Wingdings" panose="05000000000000000000" pitchFamily="2" charset="2"/>
+              <a:buChar char="q"/>
+            </a:pPr>
+            <a:r>
+              <a:rPr lang="en-US" altLang="zh-CN" sz="2400" b="1" dirty="0">
+                <a:solidFill>
+                  <a:schemeClr val="tx1"/>
+                </a:solidFill>
+              </a:rPr>
+              <a:t>In the future, we can consider another scenario: instead of randomly selecting a striker, create two teams and run a penalty shootout scenario and select winning team</a:t>
+            </a:r>
+          </a:p>
+        </p:txBody>
+      </p:sp>
     </p:spTree>
     <p:extLst>
       <p:ext uri="{BB962C8B-B14F-4D97-AF65-F5344CB8AC3E}">
-        <p14:creationId xmlns:p14="http://schemas.microsoft.com/office/powerpoint/2010/main" val="2737001198"/>
+        <p14:creationId xmlns:p14="http://schemas.microsoft.com/office/powerpoint/2010/main" val="1761527924"/>
       </p:ext>
     </p:extLst>
   </p:cSld>
   <p:clrMapOvr>
     <a:masterClrMapping/>
   </p:clrMapOvr>
-  <mc:AlternateContent xmlns:mc="http://schemas.openxmlformats.org/markup-compatibility/2006" xmlns:p15="http://schemas.microsoft.com/office/powerpoint/2012/main">
-    <mc:Choice Requires="p15">
-      <p:transition xmlns:p14="http://schemas.microsoft.com/office/powerpoint/2010/main" spd="slow" p14:dur="1250">
-        <p15:prstTrans prst="pageCurlDouble"/>
-      </p:transition>
-    </mc:Choice>
-    <mc:Fallback xmlns="">
-      <p:transition spd="slow">
-        <p:fade/>
-      </p:transition>
-    </mc:Fallback>
-  </mc:AlternateContent>
 </p:sld>
 </file>
 
-<file path=ppt/slides/slide7.xml><?xml version="1.0" encoding="utf-8"?>
+<file path=ppt/slides/slide8.xml><?xml version="1.0" encoding="utf-8"?>
 <p:sld xmlns:a="http://schemas.openxmlformats.org/drawingml/2006/main" xmlns:r="http://schemas.openxmlformats.org/officeDocument/2006/relationships" xmlns:p="http://schemas.openxmlformats.org/presentationml/2006/main">
   <p:cSld>
     <p:spTree>
@@ -8646,929 +9219,6 @@
       </p:transition>
     </mc:Fallback>
   </mc:AlternateContent>
-</p:sld>
-</file>
-
-<file path=ppt/slides/slide8.xml><?xml version="1.0" encoding="utf-8"?>
-<p:sld xmlns:a="http://schemas.openxmlformats.org/drawingml/2006/main" xmlns:r="http://schemas.openxmlformats.org/officeDocument/2006/relationships" xmlns:p="http://schemas.openxmlformats.org/presentationml/2006/main">
-  <p:cSld>
-    <p:spTree>
-      <p:nvGrpSpPr>
-        <p:cNvPr id="1" name=""/>
-        <p:cNvGrpSpPr/>
-        <p:nvPr/>
-      </p:nvGrpSpPr>
-      <p:grpSpPr>
-        <a:xfrm>
-          <a:off x="0" y="0"/>
-          <a:ext cx="0" cy="0"/>
-          <a:chOff x="0" y="0"/>
-          <a:chExt cx="0" cy="0"/>
-        </a:xfrm>
-      </p:grpSpPr>
-      <p:sp>
-        <p:nvSpPr>
-          <p:cNvPr id="7" name="矩形 14">
-            <a:extLst>
-              <a:ext uri="{FF2B5EF4-FFF2-40B4-BE49-F238E27FC236}">
-                <a16:creationId xmlns:a16="http://schemas.microsoft.com/office/drawing/2014/main" id="{2E19A5ED-C966-49A3-82D5-79F2B2223EB8}"/>
-              </a:ext>
-            </a:extLst>
-          </p:cNvPr>
-          <p:cNvSpPr/>
-          <p:nvPr/>
-        </p:nvSpPr>
-        <p:spPr>
-          <a:xfrm rot="16200000">
-            <a:off x="5339415" y="15014"/>
-            <a:ext cx="1513179" cy="12191999"/>
-          </a:xfrm>
-          <a:prstGeom prst="rect">
-            <a:avLst/>
-          </a:prstGeom>
-          <a:gradFill flip="none" rotWithShape="1">
-            <a:gsLst>
-              <a:gs pos="0">
-                <a:srgbClr val="163048"/>
-              </a:gs>
-              <a:gs pos="100000">
-                <a:srgbClr val="0A1721"/>
-              </a:gs>
-            </a:gsLst>
-            <a:lin ang="0" scaled="1"/>
-            <a:tileRect/>
-          </a:gradFill>
-          <a:ln>
-            <a:noFill/>
-          </a:ln>
-        </p:spPr>
-        <p:style>
-          <a:lnRef idx="2">
-            <a:schemeClr val="accent1">
-              <a:shade val="50000"/>
-            </a:schemeClr>
-          </a:lnRef>
-          <a:fillRef idx="1">
-            <a:schemeClr val="accent1"/>
-          </a:fillRef>
-          <a:effectRef idx="0">
-            <a:schemeClr val="accent1"/>
-          </a:effectRef>
-          <a:fontRef idx="minor">
-            <a:schemeClr val="lt1"/>
-          </a:fontRef>
-        </p:style>
-        <p:txBody>
-          <a:bodyPr rtlCol="0" anchor="ctr"/>
-          <a:lstStyle/>
-          <a:p>
-            <a:pPr algn="ctr"/>
-            <a:endParaRPr lang="zh-CN" altLang="en-US"/>
-          </a:p>
-        </p:txBody>
-      </p:sp>
-      <p:sp>
-        <p:nvSpPr>
-          <p:cNvPr id="38" name="文本框 18">
-            <a:extLst>
-              <a:ext uri="{FF2B5EF4-FFF2-40B4-BE49-F238E27FC236}">
-                <a16:creationId xmlns:a16="http://schemas.microsoft.com/office/drawing/2014/main" id="{5B4A12B2-31F1-43BA-AA8E-C618ADCF1ED8}"/>
-              </a:ext>
-            </a:extLst>
-          </p:cNvPr>
-          <p:cNvSpPr txBox="1"/>
-          <p:nvPr/>
-        </p:nvSpPr>
-        <p:spPr>
-          <a:xfrm>
-            <a:off x="1885362" y="4804704"/>
-            <a:ext cx="8668732" cy="1099438"/>
-          </a:xfrm>
-          <a:prstGeom prst="rect">
-            <a:avLst/>
-          </a:prstGeom>
-          <a:solidFill>
-            <a:srgbClr val="FFFFFF"/>
-          </a:solidFill>
-          <a:ln w="38100">
-            <a:solidFill>
-              <a:srgbClr val="404040"/>
-            </a:solidFill>
-            <a:miter lim="800000"/>
-          </a:ln>
-        </p:spPr>
-        <p:txBody>
-          <a:bodyPr vert="horz" lIns="91440" tIns="45720" rIns="91440" bIns="45720" rtlCol="0" anchor="ctr">
-            <a:normAutofit/>
-          </a:bodyPr>
-          <a:lstStyle/>
-          <a:p>
-            <a:pPr algn="ctr">
-              <a:lnSpc>
-                <a:spcPct val="90000"/>
-              </a:lnSpc>
-              <a:spcBef>
-                <a:spcPct val="0"/>
-              </a:spcBef>
-              <a:spcAft>
-                <a:spcPts val="600"/>
-              </a:spcAft>
-            </a:pPr>
-            <a:endParaRPr lang="en-US" altLang="zh-CN" sz="4000" b="1" dirty="0">
-              <a:solidFill>
-                <a:srgbClr val="404040"/>
-              </a:solidFill>
-              <a:latin typeface="+mj-lt"/>
-              <a:ea typeface="+mj-ea"/>
-              <a:cs typeface="+mj-cs"/>
-            </a:endParaRPr>
-          </a:p>
-        </p:txBody>
-      </p:sp>
-    </p:spTree>
-    <p:extLst>
-      <p:ext uri="{BB962C8B-B14F-4D97-AF65-F5344CB8AC3E}">
-        <p14:creationId xmlns:p14="http://schemas.microsoft.com/office/powerpoint/2010/main" val="2042162185"/>
-      </p:ext>
-    </p:extLst>
-  </p:cSld>
-  <p:clrMapOvr>
-    <a:masterClrMapping/>
-  </p:clrMapOvr>
-  <mc:AlternateContent xmlns:mc="http://schemas.openxmlformats.org/markup-compatibility/2006" xmlns:p15="http://schemas.microsoft.com/office/powerpoint/2012/main">
-    <mc:Choice Requires="p15">
-      <p:transition xmlns:p14="http://schemas.microsoft.com/office/powerpoint/2010/main" spd="slow" p14:dur="1250">
-        <p15:prstTrans prst="pageCurlDouble"/>
-      </p:transition>
-    </mc:Choice>
-    <mc:Fallback xmlns="">
-      <p:transition spd="slow">
-        <p:fade/>
-      </p:transition>
-    </mc:Fallback>
-  </mc:AlternateContent>
-</p:sld>
-</file>
-
-<file path=ppt/slides/slide9.xml><?xml version="1.0" encoding="utf-8"?>
-<p:sld xmlns:a="http://schemas.openxmlformats.org/drawingml/2006/main" xmlns:r="http://schemas.openxmlformats.org/officeDocument/2006/relationships" xmlns:p="http://schemas.openxmlformats.org/presentationml/2006/main">
-  <p:cSld>
-    <p:spTree>
-      <p:nvGrpSpPr>
-        <p:cNvPr id="1" name=""/>
-        <p:cNvGrpSpPr/>
-        <p:nvPr/>
-      </p:nvGrpSpPr>
-      <p:grpSpPr>
-        <a:xfrm>
-          <a:off x="0" y="0"/>
-          <a:ext cx="0" cy="0"/>
-          <a:chOff x="0" y="0"/>
-          <a:chExt cx="0" cy="0"/>
-        </a:xfrm>
-      </p:grpSpPr>
-      <p:cxnSp>
-        <p:nvCxnSpPr>
-          <p:cNvPr id="27" name="直接连接符 26"/>
-          <p:cNvCxnSpPr>
-            <a:cxnSpLocks/>
-          </p:cNvCxnSpPr>
-          <p:nvPr/>
-        </p:nvCxnSpPr>
-        <p:spPr>
-          <a:xfrm flipH="1">
-            <a:off x="6052622" y="0"/>
-            <a:ext cx="54691" cy="1920240"/>
-          </a:xfrm>
-          <a:prstGeom prst="line">
-            <a:avLst/>
-          </a:prstGeom>
-          <a:ln>
-            <a:solidFill>
-              <a:schemeClr val="tx2">
-                <a:lumMod val="75000"/>
-              </a:schemeClr>
-            </a:solidFill>
-          </a:ln>
-        </p:spPr>
-        <p:style>
-          <a:lnRef idx="1">
-            <a:schemeClr val="accent1"/>
-          </a:lnRef>
-          <a:fillRef idx="0">
-            <a:schemeClr val="accent1"/>
-          </a:fillRef>
-          <a:effectRef idx="0">
-            <a:schemeClr val="accent1"/>
-          </a:effectRef>
-          <a:fontRef idx="minor">
-            <a:schemeClr val="tx1"/>
-          </a:fontRef>
-        </p:style>
-      </p:cxnSp>
-      <p:cxnSp>
-        <p:nvCxnSpPr>
-          <p:cNvPr id="28" name="直接连接符 27"/>
-          <p:cNvCxnSpPr>
-            <a:cxnSpLocks/>
-          </p:cNvCxnSpPr>
-          <p:nvPr/>
-        </p:nvCxnSpPr>
-        <p:spPr>
-          <a:xfrm>
-            <a:off x="0" y="590306"/>
-            <a:ext cx="4769374" cy="2065261"/>
-          </a:xfrm>
-          <a:prstGeom prst="line">
-            <a:avLst/>
-          </a:prstGeom>
-          <a:ln>
-            <a:solidFill>
-              <a:schemeClr val="tx2">
-                <a:lumMod val="75000"/>
-              </a:schemeClr>
-            </a:solidFill>
-          </a:ln>
-        </p:spPr>
-        <p:style>
-          <a:lnRef idx="1">
-            <a:schemeClr val="accent1"/>
-          </a:lnRef>
-          <a:fillRef idx="0">
-            <a:schemeClr val="accent1"/>
-          </a:fillRef>
-          <a:effectRef idx="0">
-            <a:schemeClr val="accent1"/>
-          </a:effectRef>
-          <a:fontRef idx="minor">
-            <a:schemeClr val="tx1"/>
-          </a:fontRef>
-        </p:style>
-      </p:cxnSp>
-      <p:cxnSp>
-        <p:nvCxnSpPr>
-          <p:cNvPr id="31" name="直接连接符 30"/>
-          <p:cNvCxnSpPr>
-            <a:cxnSpLocks/>
-          </p:cNvCxnSpPr>
-          <p:nvPr/>
-        </p:nvCxnSpPr>
-        <p:spPr>
-          <a:xfrm flipV="1">
-            <a:off x="879676" y="4861560"/>
-            <a:ext cx="4326109" cy="1996440"/>
-          </a:xfrm>
-          <a:prstGeom prst="line">
-            <a:avLst/>
-          </a:prstGeom>
-          <a:ln>
-            <a:solidFill>
-              <a:schemeClr val="tx2">
-                <a:lumMod val="75000"/>
-              </a:schemeClr>
-            </a:solidFill>
-          </a:ln>
-        </p:spPr>
-        <p:style>
-          <a:lnRef idx="1">
-            <a:schemeClr val="accent1"/>
-          </a:lnRef>
-          <a:fillRef idx="0">
-            <a:schemeClr val="accent1"/>
-          </a:fillRef>
-          <a:effectRef idx="0">
-            <a:schemeClr val="accent1"/>
-          </a:effectRef>
-          <a:fontRef idx="minor">
-            <a:schemeClr val="tx1"/>
-          </a:fontRef>
-        </p:style>
-      </p:cxnSp>
-      <p:cxnSp>
-        <p:nvCxnSpPr>
-          <p:cNvPr id="34" name="直接连接符 33"/>
-          <p:cNvCxnSpPr>
-            <a:cxnSpLocks/>
-          </p:cNvCxnSpPr>
-          <p:nvPr/>
-        </p:nvCxnSpPr>
-        <p:spPr>
-          <a:xfrm>
-            <a:off x="6905605" y="3390900"/>
-            <a:ext cx="5286395" cy="1169525"/>
-          </a:xfrm>
-          <a:prstGeom prst="line">
-            <a:avLst/>
-          </a:prstGeom>
-          <a:ln>
-            <a:solidFill>
-              <a:schemeClr val="tx2">
-                <a:lumMod val="75000"/>
-              </a:schemeClr>
-            </a:solidFill>
-          </a:ln>
-        </p:spPr>
-        <p:style>
-          <a:lnRef idx="1">
-            <a:schemeClr val="accent1"/>
-          </a:lnRef>
-          <a:fillRef idx="0">
-            <a:schemeClr val="accent1"/>
-          </a:fillRef>
-          <a:effectRef idx="0">
-            <a:schemeClr val="accent1"/>
-          </a:effectRef>
-          <a:fontRef idx="minor">
-            <a:schemeClr val="tx1"/>
-          </a:fontRef>
-        </p:style>
-      </p:cxnSp>
-      <p:cxnSp>
-        <p:nvCxnSpPr>
-          <p:cNvPr id="40" name="直接连接符 39"/>
-          <p:cNvCxnSpPr>
-            <a:cxnSpLocks/>
-          </p:cNvCxnSpPr>
-          <p:nvPr/>
-        </p:nvCxnSpPr>
-        <p:spPr>
-          <a:xfrm>
-            <a:off x="7321959" y="4126230"/>
-            <a:ext cx="4870041" cy="2731770"/>
-          </a:xfrm>
-          <a:prstGeom prst="line">
-            <a:avLst/>
-          </a:prstGeom>
-          <a:ln>
-            <a:solidFill>
-              <a:schemeClr val="tx2">
-                <a:lumMod val="75000"/>
-              </a:schemeClr>
-            </a:solidFill>
-          </a:ln>
-        </p:spPr>
-        <p:style>
-          <a:lnRef idx="1">
-            <a:schemeClr val="accent1"/>
-          </a:lnRef>
-          <a:fillRef idx="0">
-            <a:schemeClr val="accent1"/>
-          </a:fillRef>
-          <a:effectRef idx="0">
-            <a:schemeClr val="accent1"/>
-          </a:effectRef>
-          <a:fontRef idx="minor">
-            <a:schemeClr val="tx1"/>
-          </a:fontRef>
-        </p:style>
-      </p:cxnSp>
-      <p:cxnSp>
-        <p:nvCxnSpPr>
-          <p:cNvPr id="43" name="直接连接符 42"/>
-          <p:cNvCxnSpPr>
-            <a:cxnSpLocks/>
-          </p:cNvCxnSpPr>
-          <p:nvPr/>
-        </p:nvCxnSpPr>
-        <p:spPr>
-          <a:xfrm flipV="1">
-            <a:off x="7332097" y="1553251"/>
-            <a:ext cx="4859903" cy="1102319"/>
-          </a:xfrm>
-          <a:prstGeom prst="line">
-            <a:avLst/>
-          </a:prstGeom>
-          <a:ln>
-            <a:solidFill>
-              <a:schemeClr val="tx2">
-                <a:lumMod val="75000"/>
-              </a:schemeClr>
-            </a:solidFill>
-          </a:ln>
-        </p:spPr>
-        <p:style>
-          <a:lnRef idx="1">
-            <a:schemeClr val="accent1"/>
-          </a:lnRef>
-          <a:fillRef idx="0">
-            <a:schemeClr val="accent1"/>
-          </a:fillRef>
-          <a:effectRef idx="0">
-            <a:schemeClr val="accent1"/>
-          </a:effectRef>
-          <a:fontRef idx="minor">
-            <a:schemeClr val="tx1"/>
-          </a:fontRef>
-        </p:style>
-      </p:cxnSp>
-      <p:cxnSp>
-        <p:nvCxnSpPr>
-          <p:cNvPr id="48" name="直接连接符 47"/>
-          <p:cNvCxnSpPr>
-            <a:cxnSpLocks/>
-          </p:cNvCxnSpPr>
-          <p:nvPr/>
-        </p:nvCxnSpPr>
-        <p:spPr>
-          <a:xfrm>
-            <a:off x="3040644" y="0"/>
-            <a:ext cx="2158994" cy="1920240"/>
-          </a:xfrm>
-          <a:prstGeom prst="line">
-            <a:avLst/>
-          </a:prstGeom>
-          <a:ln>
-            <a:solidFill>
-              <a:schemeClr val="tx2">
-                <a:lumMod val="75000"/>
-              </a:schemeClr>
-            </a:solidFill>
-          </a:ln>
-        </p:spPr>
-        <p:style>
-          <a:lnRef idx="1">
-            <a:schemeClr val="accent1"/>
-          </a:lnRef>
-          <a:fillRef idx="0">
-            <a:schemeClr val="accent1"/>
-          </a:fillRef>
-          <a:effectRef idx="0">
-            <a:schemeClr val="accent1"/>
-          </a:effectRef>
-          <a:fontRef idx="minor">
-            <a:schemeClr val="tx1"/>
-          </a:fontRef>
-        </p:style>
-      </p:cxnSp>
-      <p:cxnSp>
-        <p:nvCxnSpPr>
-          <p:cNvPr id="51" name="直接连接符 50"/>
-          <p:cNvCxnSpPr>
-            <a:cxnSpLocks/>
-          </p:cNvCxnSpPr>
-          <p:nvPr/>
-        </p:nvCxnSpPr>
-        <p:spPr>
-          <a:xfrm flipV="1">
-            <a:off x="6905604" y="0"/>
-            <a:ext cx="2235944" cy="1920240"/>
-          </a:xfrm>
-          <a:prstGeom prst="line">
-            <a:avLst/>
-          </a:prstGeom>
-          <a:ln>
-            <a:solidFill>
-              <a:schemeClr val="tx2">
-                <a:lumMod val="75000"/>
-              </a:schemeClr>
-            </a:solidFill>
-          </a:ln>
-        </p:spPr>
-        <p:style>
-          <a:lnRef idx="1">
-            <a:schemeClr val="accent1"/>
-          </a:lnRef>
-          <a:fillRef idx="0">
-            <a:schemeClr val="accent1"/>
-          </a:fillRef>
-          <a:effectRef idx="0">
-            <a:schemeClr val="accent1"/>
-          </a:effectRef>
-          <a:fontRef idx="minor">
-            <a:schemeClr val="tx1"/>
-          </a:fontRef>
-        </p:style>
-      </p:cxnSp>
-      <p:cxnSp>
-        <p:nvCxnSpPr>
-          <p:cNvPr id="71" name="直接连接符 70"/>
-          <p:cNvCxnSpPr>
-            <a:cxnSpLocks/>
-          </p:cNvCxnSpPr>
-          <p:nvPr/>
-        </p:nvCxnSpPr>
-        <p:spPr>
-          <a:xfrm flipV="1">
-            <a:off x="0" y="3390897"/>
-            <a:ext cx="5195866" cy="845437"/>
-          </a:xfrm>
-          <a:prstGeom prst="line">
-            <a:avLst/>
-          </a:prstGeom>
-          <a:ln>
-            <a:solidFill>
-              <a:schemeClr val="tx2">
-                <a:lumMod val="75000"/>
-              </a:schemeClr>
-            </a:solidFill>
-          </a:ln>
-        </p:spPr>
-        <p:style>
-          <a:lnRef idx="1">
-            <a:schemeClr val="accent1"/>
-          </a:lnRef>
-          <a:fillRef idx="0">
-            <a:schemeClr val="accent1"/>
-          </a:fillRef>
-          <a:effectRef idx="0">
-            <a:schemeClr val="accent1"/>
-          </a:effectRef>
-          <a:fontRef idx="minor">
-            <a:schemeClr val="tx1"/>
-          </a:fontRef>
-        </p:style>
-      </p:cxnSp>
-      <p:cxnSp>
-        <p:nvCxnSpPr>
-          <p:cNvPr id="76" name="直接连接符 75"/>
-          <p:cNvCxnSpPr>
-            <a:cxnSpLocks/>
-          </p:cNvCxnSpPr>
-          <p:nvPr/>
-        </p:nvCxnSpPr>
-        <p:spPr>
-          <a:xfrm>
-            <a:off x="6052617" y="4861560"/>
-            <a:ext cx="1273324" cy="1996440"/>
-          </a:xfrm>
-          <a:prstGeom prst="line">
-            <a:avLst/>
-          </a:prstGeom>
-          <a:ln>
-            <a:solidFill>
-              <a:schemeClr val="tx2">
-                <a:lumMod val="75000"/>
-              </a:schemeClr>
-            </a:solidFill>
-          </a:ln>
-        </p:spPr>
-        <p:style>
-          <a:lnRef idx="1">
-            <a:schemeClr val="accent1"/>
-          </a:lnRef>
-          <a:fillRef idx="0">
-            <a:schemeClr val="accent1"/>
-          </a:fillRef>
-          <a:effectRef idx="0">
-            <a:schemeClr val="accent1"/>
-          </a:effectRef>
-          <a:fontRef idx="minor">
-            <a:schemeClr val="tx1"/>
-          </a:fontRef>
-        </p:style>
-      </p:cxnSp>
-      <p:sp>
-        <p:nvSpPr>
-          <p:cNvPr id="82" name="等腰三角形 81"/>
-          <p:cNvSpPr/>
-          <p:nvPr/>
-        </p:nvSpPr>
-        <p:spPr>
-          <a:xfrm rot="4618794">
-            <a:off x="4095411" y="3380520"/>
-            <a:ext cx="350520" cy="350520"/>
-          </a:xfrm>
-          <a:prstGeom prst="triangle">
-            <a:avLst/>
-          </a:prstGeom>
-          <a:solidFill>
-            <a:schemeClr val="accent3">
-              <a:lumMod val="50000"/>
-            </a:schemeClr>
-          </a:solidFill>
-          <a:ln>
-            <a:noFill/>
-          </a:ln>
-        </p:spPr>
-        <p:style>
-          <a:lnRef idx="2">
-            <a:schemeClr val="accent1">
-              <a:shade val="50000"/>
-            </a:schemeClr>
-          </a:lnRef>
-          <a:fillRef idx="1">
-            <a:schemeClr val="accent1"/>
-          </a:fillRef>
-          <a:effectRef idx="0">
-            <a:schemeClr val="accent1"/>
-          </a:effectRef>
-          <a:fontRef idx="minor">
-            <a:schemeClr val="lt1"/>
-          </a:fontRef>
-        </p:style>
-        <p:txBody>
-          <a:bodyPr rtlCol="0" anchor="ctr"/>
-          <a:lstStyle/>
-          <a:p>
-            <a:pPr algn="ctr"/>
-            <a:endParaRPr lang="zh-CN" altLang="en-US"/>
-          </a:p>
-        </p:txBody>
-      </p:sp>
-      <p:sp>
-        <p:nvSpPr>
-          <p:cNvPr id="88" name="等腰三角形 87"/>
-          <p:cNvSpPr/>
-          <p:nvPr/>
-        </p:nvSpPr>
-        <p:spPr>
-          <a:xfrm rot="15846274">
-            <a:off x="7469788" y="2532885"/>
-            <a:ext cx="171058" cy="171058"/>
-          </a:xfrm>
-          <a:prstGeom prst="triangle">
-            <a:avLst/>
-          </a:prstGeom>
-          <a:solidFill>
-            <a:srgbClr val="FED593"/>
-          </a:solidFill>
-          <a:ln>
-            <a:noFill/>
-          </a:ln>
-        </p:spPr>
-        <p:style>
-          <a:lnRef idx="2">
-            <a:schemeClr val="accent1">
-              <a:shade val="50000"/>
-            </a:schemeClr>
-          </a:lnRef>
-          <a:fillRef idx="1">
-            <a:schemeClr val="accent1"/>
-          </a:fillRef>
-          <a:effectRef idx="0">
-            <a:schemeClr val="accent1"/>
-          </a:effectRef>
-          <a:fontRef idx="minor">
-            <a:schemeClr val="lt1"/>
-          </a:fontRef>
-        </p:style>
-        <p:txBody>
-          <a:bodyPr rtlCol="0" anchor="ctr"/>
-          <a:lstStyle/>
-          <a:p>
-            <a:pPr algn="ctr"/>
-            <a:endParaRPr lang="zh-CN" altLang="en-US"/>
-          </a:p>
-        </p:txBody>
-      </p:sp>
-      <p:sp>
-        <p:nvSpPr>
-          <p:cNvPr id="91" name="等腰三角形 90"/>
-          <p:cNvSpPr/>
-          <p:nvPr/>
-        </p:nvSpPr>
-        <p:spPr>
-          <a:xfrm rot="13354789">
-            <a:off x="7268428" y="1241318"/>
-            <a:ext cx="383872" cy="383872"/>
-          </a:xfrm>
-          <a:prstGeom prst="triangle">
-            <a:avLst/>
-          </a:prstGeom>
-          <a:solidFill>
-            <a:srgbClr val="FFC000"/>
-          </a:solidFill>
-          <a:ln>
-            <a:noFill/>
-          </a:ln>
-        </p:spPr>
-        <p:style>
-          <a:lnRef idx="2">
-            <a:schemeClr val="accent1">
-              <a:shade val="50000"/>
-            </a:schemeClr>
-          </a:lnRef>
-          <a:fillRef idx="1">
-            <a:schemeClr val="accent1"/>
-          </a:fillRef>
-          <a:effectRef idx="0">
-            <a:schemeClr val="accent1"/>
-          </a:effectRef>
-          <a:fontRef idx="minor">
-            <a:schemeClr val="lt1"/>
-          </a:fontRef>
-        </p:style>
-        <p:txBody>
-          <a:bodyPr rtlCol="0" anchor="ctr"/>
-          <a:lstStyle/>
-          <a:p>
-            <a:pPr algn="ctr"/>
-            <a:endParaRPr lang="zh-CN" altLang="en-US"/>
-          </a:p>
-        </p:txBody>
-      </p:sp>
-      <p:sp>
-        <p:nvSpPr>
-          <p:cNvPr id="93" name="等腰三角形 92"/>
-          <p:cNvSpPr/>
-          <p:nvPr/>
-        </p:nvSpPr>
-        <p:spPr>
-          <a:xfrm rot="8100000">
-            <a:off x="4710261" y="1442322"/>
-            <a:ext cx="249666" cy="249666"/>
-          </a:xfrm>
-          <a:prstGeom prst="triangle">
-            <a:avLst/>
-          </a:prstGeom>
-          <a:solidFill>
-            <a:schemeClr val="accent2"/>
-          </a:solidFill>
-          <a:ln>
-            <a:noFill/>
-          </a:ln>
-        </p:spPr>
-        <p:style>
-          <a:lnRef idx="2">
-            <a:schemeClr val="accent1">
-              <a:shade val="50000"/>
-            </a:schemeClr>
-          </a:lnRef>
-          <a:fillRef idx="1">
-            <a:schemeClr val="accent1"/>
-          </a:fillRef>
-          <a:effectRef idx="0">
-            <a:schemeClr val="accent1"/>
-          </a:effectRef>
-          <a:fontRef idx="minor">
-            <a:schemeClr val="lt1"/>
-          </a:fontRef>
-        </p:style>
-        <p:txBody>
-          <a:bodyPr rtlCol="0" anchor="ctr"/>
-          <a:lstStyle/>
-          <a:p>
-            <a:pPr algn="ctr"/>
-            <a:endParaRPr lang="zh-CN" altLang="en-US"/>
-          </a:p>
-        </p:txBody>
-      </p:sp>
-      <p:sp>
-        <p:nvSpPr>
-          <p:cNvPr id="44" name="文本框 18">
-            <a:extLst>
-              <a:ext uri="{FF2B5EF4-FFF2-40B4-BE49-F238E27FC236}">
-                <a16:creationId xmlns:a16="http://schemas.microsoft.com/office/drawing/2014/main" id="{115D0F91-84F6-4206-A11F-6EF9A5DAAFCE}"/>
-              </a:ext>
-            </a:extLst>
-          </p:cNvPr>
-          <p:cNvSpPr txBox="1"/>
-          <p:nvPr/>
-        </p:nvSpPr>
-        <p:spPr>
-          <a:xfrm>
-            <a:off x="0" y="640679"/>
-            <a:ext cx="4697283" cy="584775"/>
-          </a:xfrm>
-          <a:prstGeom prst="rect">
-            <a:avLst/>
-          </a:prstGeom>
-          <a:solidFill>
-            <a:schemeClr val="accent2">
-              <a:alpha val="81000"/>
-            </a:schemeClr>
-          </a:solidFill>
-          <a:effectLst>
-            <a:outerShdw blurRad="50800" dist="38100" dir="5400000" algn="t" rotWithShape="0">
-              <a:prstClr val="black">
-                <a:alpha val="40000"/>
-              </a:prstClr>
-            </a:outerShdw>
-          </a:effectLst>
-        </p:spPr>
-        <p:txBody>
-          <a:bodyPr wrap="square" rtlCol="0">
-            <a:spAutoFit/>
-          </a:bodyPr>
-          <a:lstStyle/>
-          <a:p>
-            <a:pPr algn="ctr"/>
-            <a:endParaRPr lang="en-US" altLang="zh-CN" sz="3200" b="1" dirty="0">
-              <a:solidFill>
-                <a:schemeClr val="bg1"/>
-              </a:solidFill>
-              <a:latin typeface="Century Gothic" panose="020B0502020202020204" pitchFamily="34" charset="0"/>
-            </a:endParaRPr>
-          </a:p>
-        </p:txBody>
-      </p:sp>
-      <p:sp>
-        <p:nvSpPr>
-          <p:cNvPr id="21" name="矩形 24">
-            <a:extLst>
-              <a:ext uri="{FF2B5EF4-FFF2-40B4-BE49-F238E27FC236}">
-                <a16:creationId xmlns:a16="http://schemas.microsoft.com/office/drawing/2014/main" id="{745D19A4-96DB-4DBD-8F73-D6680BABFE69}"/>
-              </a:ext>
-            </a:extLst>
-          </p:cNvPr>
-          <p:cNvSpPr/>
-          <p:nvPr/>
-        </p:nvSpPr>
-        <p:spPr>
-          <a:xfrm>
-            <a:off x="8574545" y="1027558"/>
-            <a:ext cx="3367821" cy="4493290"/>
-          </a:xfrm>
-          <a:prstGeom prst="rect">
-            <a:avLst/>
-          </a:prstGeom>
-          <a:solidFill>
-            <a:schemeClr val="bg1">
-              <a:alpha val="80000"/>
-            </a:schemeClr>
-          </a:solidFill>
-          <a:ln>
-            <a:noFill/>
-          </a:ln>
-        </p:spPr>
-        <p:style>
-          <a:lnRef idx="2">
-            <a:schemeClr val="accent1">
-              <a:shade val="50000"/>
-            </a:schemeClr>
-          </a:lnRef>
-          <a:fillRef idx="1">
-            <a:schemeClr val="accent1"/>
-          </a:fillRef>
-          <a:effectRef idx="0">
-            <a:schemeClr val="accent1"/>
-          </a:effectRef>
-          <a:fontRef idx="minor">
-            <a:schemeClr val="lt1"/>
-          </a:fontRef>
-        </p:style>
-        <p:txBody>
-          <a:bodyPr rtlCol="0" anchor="ctr"/>
-          <a:lstStyle/>
-          <a:p>
-            <a:pPr algn="ctr"/>
-            <a:endParaRPr lang="en-US" altLang="zh-CN" b="1" dirty="0">
-              <a:solidFill>
-                <a:schemeClr val="tx1"/>
-              </a:solidFill>
-            </a:endParaRPr>
-          </a:p>
-        </p:txBody>
-      </p:sp>
-      <p:sp>
-        <p:nvSpPr>
-          <p:cNvPr id="22" name="文本框 18">
-            <a:extLst>
-              <a:ext uri="{FF2B5EF4-FFF2-40B4-BE49-F238E27FC236}">
-                <a16:creationId xmlns:a16="http://schemas.microsoft.com/office/drawing/2014/main" id="{4643A431-A9F2-46A4-A885-B99F5D019D00}"/>
-              </a:ext>
-            </a:extLst>
-          </p:cNvPr>
-          <p:cNvSpPr txBox="1"/>
-          <p:nvPr/>
-        </p:nvSpPr>
-        <p:spPr>
-          <a:xfrm>
-            <a:off x="8574546" y="323724"/>
-            <a:ext cx="1521562" cy="584775"/>
-          </a:xfrm>
-          <a:prstGeom prst="rect">
-            <a:avLst/>
-          </a:prstGeom>
-          <a:solidFill>
-            <a:schemeClr val="accent2">
-              <a:alpha val="81000"/>
-            </a:schemeClr>
-          </a:solidFill>
-          <a:effectLst>
-            <a:outerShdw blurRad="50800" dist="38100" dir="5400000" algn="t" rotWithShape="0">
-              <a:prstClr val="black">
-                <a:alpha val="40000"/>
-              </a:prstClr>
-            </a:outerShdw>
-          </a:effectLst>
-        </p:spPr>
-        <p:txBody>
-          <a:bodyPr wrap="square" rtlCol="0">
-            <a:spAutoFit/>
-          </a:bodyPr>
-          <a:lstStyle/>
-          <a:p>
-            <a:pPr algn="ctr"/>
-            <a:endParaRPr lang="en-US" altLang="zh-CN" sz="3200" b="1" dirty="0">
-              <a:solidFill>
-                <a:schemeClr val="bg1"/>
-              </a:solidFill>
-              <a:latin typeface="Century Gothic" panose="020B0502020202020204" pitchFamily="34" charset="0"/>
-            </a:endParaRPr>
-          </a:p>
-        </p:txBody>
-      </p:sp>
-    </p:spTree>
-    <p:extLst>
-      <p:ext uri="{BB962C8B-B14F-4D97-AF65-F5344CB8AC3E}">
-        <p14:creationId xmlns:p14="http://schemas.microsoft.com/office/powerpoint/2010/main" val="1974478299"/>
-      </p:ext>
-    </p:extLst>
-  </p:cSld>
-  <p:clrMapOvr>
-    <a:masterClrMapping/>
-  </p:clrMapOvr>
 </p:sld>
 </file>
 

--- a/Goalkeepr Success Rate Slide.pptx
+++ b/Goalkeepr Success Rate Slide.pptx
@@ -5689,7 +5689,22 @@
               <a:rPr lang="en-US" altLang="zh-CN" sz="2400" b="1" dirty="0">
                 <a:latin typeface="Century Gothic" panose="020B0502020202020204" pitchFamily="34" charset="0"/>
               </a:rPr>
-              <a:t>the opponent team’s most frequent shoot direction(pending)</a:t>
+              <a:t>the opponent team’s most frequent shoot direction(</a:t>
+            </a:r>
+            <a:r>
+              <a:rPr lang="en-US" altLang="zh-CN" sz="2400" b="1" dirty="0">
+                <a:highlight>
+                  <a:srgbClr val="FFFF00"/>
+                </a:highlight>
+                <a:latin typeface="Century Gothic" panose="020B0502020202020204" pitchFamily="34" charset="0"/>
+              </a:rPr>
+              <a:t>pending</a:t>
+            </a:r>
+            <a:r>
+              <a:rPr lang="en-US" altLang="zh-CN" sz="2400" b="1" dirty="0">
+                <a:latin typeface="Century Gothic" panose="020B0502020202020204" pitchFamily="34" charset="0"/>
+              </a:rPr>
+              <a:t>)</a:t>
             </a:r>
             <a:endParaRPr lang="zh-CN" altLang="en-US" sz="2400" b="1" dirty="0">
               <a:latin typeface="Century Gothic" panose="020B0502020202020204" pitchFamily="34" charset="0"/>
@@ -6031,7 +6046,7 @@
         </p:nvSpPr>
         <p:spPr>
           <a:xfrm rot="5400000">
-            <a:off x="632802" y="4787420"/>
+            <a:off x="632800" y="4677705"/>
             <a:ext cx="357177" cy="307911"/>
           </a:xfrm>
           <a:prstGeom prst="triangle">
@@ -6175,8 +6190,8 @@
         </p:nvSpPr>
         <p:spPr>
           <a:xfrm>
-            <a:off x="1050292" y="2471672"/>
-            <a:ext cx="8319910" cy="400110"/>
+            <a:off x="1128810" y="2362526"/>
+            <a:ext cx="10514550" cy="707886"/>
           </a:xfrm>
           <a:prstGeom prst="rect">
             <a:avLst/>
@@ -6193,7 +6208,7 @@
               <a:rPr lang="en-US" sz="2000" b="1" dirty="0">
                 <a:latin typeface="Century Gothic" panose="020B0502020202020204" pitchFamily="34" charset="0"/>
               </a:rPr>
-              <a:t>Strategic moves can increase the success percentage of a goalie</a:t>
+              <a:t>Saving the ball based on Striker’s most frequent kicking direction can increase the success percentage of a goalie</a:t>
             </a:r>
             <a:endParaRPr lang="zh-CN" altLang="en-US" sz="2000" b="1" dirty="0">
               <a:latin typeface="Century Gothic" panose="020B0502020202020204" pitchFamily="34" charset="0"/>
@@ -6215,7 +6230,7 @@
         </p:nvSpPr>
         <p:spPr>
           <a:xfrm rot="5400000">
-            <a:off x="632800" y="5439548"/>
+            <a:off x="632800" y="5361534"/>
             <a:ext cx="357177" cy="307911"/>
           </a:xfrm>
           <a:prstGeom prst="triangle">
@@ -6359,7 +6374,7 @@
         </p:nvSpPr>
         <p:spPr>
           <a:xfrm>
-            <a:off x="1050292" y="4748752"/>
+            <a:off x="1024824" y="4638538"/>
             <a:ext cx="9260869" cy="400110"/>
           </a:xfrm>
           <a:prstGeom prst="rect">
@@ -6457,8 +6472,8 @@
         </p:nvSpPr>
         <p:spPr>
           <a:xfrm>
-            <a:off x="1118650" y="5414915"/>
-            <a:ext cx="8319910" cy="400110"/>
+            <a:off x="1128810" y="5263633"/>
+            <a:ext cx="10311350" cy="1015663"/>
           </a:xfrm>
           <a:prstGeom prst="rect">
             <a:avLst/>
@@ -6472,34 +6487,10 @@
           <a:lstStyle/>
           <a:p>
             <a:r>
-              <a:rPr lang="en-US" sz="2000" b="1" dirty="0">
-                <a:latin typeface="Century Gothic" panose="020B0502020202020204" pitchFamily="34" charset="0"/>
-              </a:rPr>
-              <a:t>To</a:t>
-            </a:r>
-            <a:r>
-              <a:rPr lang="zh-CN" altLang="en-US" sz="2000" b="1" dirty="0">
-                <a:latin typeface="Century Gothic" panose="020B0502020202020204" pitchFamily="34" charset="0"/>
-              </a:rPr>
-              <a:t> </a:t>
-            </a:r>
-            <a:r>
               <a:rPr lang="en-US" altLang="zh-CN" sz="2000" b="1" dirty="0">
                 <a:latin typeface="Century Gothic" panose="020B0502020202020204" pitchFamily="34" charset="0"/>
               </a:rPr>
-              <a:t>be</a:t>
-            </a:r>
-            <a:r>
-              <a:rPr lang="zh-CN" altLang="en-US" sz="2000" b="1" dirty="0">
-                <a:latin typeface="Century Gothic" panose="020B0502020202020204" pitchFamily="34" charset="0"/>
-              </a:rPr>
-              <a:t> </a:t>
-            </a:r>
-            <a:r>
-              <a:rPr lang="en-US" altLang="zh-CN" sz="2000" b="1" dirty="0">
-                <a:latin typeface="Century Gothic" panose="020B0502020202020204" pitchFamily="34" charset="0"/>
-              </a:rPr>
-              <a:t>added</a:t>
+              <a:t>Striker’s kicking direction will not be changed based on Goalie behavior(In Scenario 2, If Goalie found a player’s frequent direction, and always save the ball in that direction, striker’s kick will not be affected or changed)</a:t>
             </a:r>
             <a:endParaRPr lang="zh-CN" altLang="en-US" sz="2000" b="1" dirty="0">
               <a:latin typeface="Century Gothic" panose="020B0502020202020204" pitchFamily="34" charset="0"/>
@@ -6509,10 +6500,10 @@
       </p:sp>
       <p:sp>
         <p:nvSpPr>
-          <p:cNvPr id="14" name="文本框 24">
+          <p:cNvPr id="16" name="文本框 24">
             <a:extLst>
               <a:ext uri="{FF2B5EF4-FFF2-40B4-BE49-F238E27FC236}">
-                <a16:creationId xmlns:a16="http://schemas.microsoft.com/office/drawing/2014/main" id="{8AFEF0D3-6619-4E02-B97A-B1A1FB5B7231}"/>
+                <a16:creationId xmlns:a16="http://schemas.microsoft.com/office/drawing/2014/main" id="{47992901-B9DE-4326-8216-EFEDF3F57EE8}"/>
               </a:ext>
             </a:extLst>
           </p:cNvPr>
@@ -6521,8 +6512,8 @@
         </p:nvSpPr>
         <p:spPr>
           <a:xfrm>
-            <a:off x="1050292" y="3174845"/>
-            <a:ext cx="8319910" cy="400110"/>
+            <a:off x="1128810" y="3086390"/>
+            <a:ext cx="10514550" cy="400110"/>
           </a:xfrm>
           <a:prstGeom prst="rect">
             <a:avLst/>
@@ -6537,35 +6528,17 @@
           <a:p>
             <a:r>
               <a:rPr lang="en-US" sz="2000" b="1" dirty="0">
+                <a:highlight>
+                  <a:srgbClr val="FFFF00"/>
+                </a:highlight>
                 <a:latin typeface="Century Gothic" panose="020B0502020202020204" pitchFamily="34" charset="0"/>
               </a:rPr>
-              <a:t>To</a:t>
-            </a:r>
-            <a:r>
-              <a:rPr lang="zh-CN" altLang="en-US" sz="2000" b="1" dirty="0">
-                <a:latin typeface="Century Gothic" panose="020B0502020202020204" pitchFamily="34" charset="0"/>
-              </a:rPr>
-              <a:t> </a:t>
-            </a:r>
-            <a:r>
-              <a:rPr lang="en-US" altLang="zh-CN" sz="2000" b="1" dirty="0">
-                <a:latin typeface="Century Gothic" panose="020B0502020202020204" pitchFamily="34" charset="0"/>
-              </a:rPr>
-              <a:t>be</a:t>
-            </a:r>
-            <a:r>
-              <a:rPr lang="zh-CN" altLang="en-US" sz="2000" b="1" dirty="0">
-                <a:latin typeface="Century Gothic" panose="020B0502020202020204" pitchFamily="34" charset="0"/>
-              </a:rPr>
-              <a:t> </a:t>
-            </a:r>
-            <a:r>
-              <a:rPr lang="en-US" altLang="zh-CN" sz="2000" b="1" dirty="0">
-                <a:latin typeface="Century Gothic" panose="020B0502020202020204" pitchFamily="34" charset="0"/>
-              </a:rPr>
-              <a:t>added</a:t>
+              <a:t>To be added</a:t>
             </a:r>
             <a:endParaRPr lang="zh-CN" altLang="en-US" sz="2000" b="1" dirty="0">
+              <a:highlight>
+                <a:srgbClr val="FFFF00"/>
+              </a:highlight>
               <a:latin typeface="Century Gothic" panose="020B0502020202020204" pitchFamily="34" charset="0"/>
             </a:endParaRPr>
           </a:p>
@@ -6861,6 +6834,21 @@
                 <a:latin typeface="Century Gothic" panose="020B0502020202020204" pitchFamily="34" charset="0"/>
               </a:rPr>
               <a:t>(Variables: kick direction, </a:t>
+            </a:r>
+            <a:r>
+              <a:rPr lang="en-US" sz="2400" b="1" dirty="0">
+                <a:highlight>
+                  <a:srgbClr val="FFFF00"/>
+                </a:highlight>
+                <a:latin typeface="Century Gothic" panose="020B0502020202020204" pitchFamily="34" charset="0"/>
+              </a:rPr>
+              <a:t>to be added</a:t>
+            </a:r>
+            <a:r>
+              <a:rPr lang="en-US" sz="2400" b="1" dirty="0">
+                <a:latin typeface="Century Gothic" panose="020B0502020202020204" pitchFamily="34" charset="0"/>
+              </a:rPr>
+              <a:t> </a:t>
             </a:r>
             <a:r>
               <a:rPr lang="en-US" sz="2400" b="1" dirty="0" err="1">
@@ -8550,7 +8538,7 @@
         </p:nvSpPr>
         <p:spPr>
           <a:xfrm>
-            <a:off x="634939" y="473257"/>
+            <a:off x="243840" y="635290"/>
             <a:ext cx="2907671" cy="592332"/>
           </a:xfrm>
           <a:prstGeom prst="rect">
@@ -8602,8 +8590,8 @@
         </p:nvSpPr>
         <p:spPr>
           <a:xfrm>
-            <a:off x="450349" y="1433254"/>
-            <a:ext cx="5117316" cy="4493290"/>
+            <a:off x="243840" y="1433254"/>
+            <a:ext cx="6128337" cy="4493290"/>
           </a:xfrm>
           <a:prstGeom prst="rect">
             <a:avLst/>
@@ -8637,7 +8625,7 @@
           <a:bodyPr rtlCol="0" anchor="ctr"/>
           <a:lstStyle/>
           <a:p>
-            <a:pPr marL="285750" indent="-285750" algn="ctr">
+            <a:pPr marL="285750" indent="-285750">
               <a:buFont typeface="Wingdings" panose="05000000000000000000" pitchFamily="2" charset="2"/>
               <a:buChar char="q"/>
             </a:pPr>
@@ -8651,7 +8639,7 @@
             </a:r>
           </a:p>
           <a:p>
-            <a:pPr marL="285750" indent="-285750" algn="ctr">
+            <a:pPr marL="285750" indent="-285750">
               <a:buFont typeface="Wingdings" panose="05000000000000000000" pitchFamily="2" charset="2"/>
               <a:buChar char="q"/>
             </a:pPr>
@@ -8662,7 +8650,7 @@
             </a:endParaRPr>
           </a:p>
           <a:p>
-            <a:pPr marL="285750" indent="-285750" algn="ctr">
+            <a:pPr marL="285750" indent="-285750">
               <a:buFont typeface="Wingdings" panose="05000000000000000000" pitchFamily="2" charset="2"/>
               <a:buChar char="q"/>
             </a:pPr>
@@ -8673,6 +8661,31 @@
                 </a:solidFill>
               </a:rPr>
               <a:t>Historic moves may not be a true representation of future striker’s move  </a:t>
+            </a:r>
+          </a:p>
+          <a:p>
+            <a:pPr marL="285750" indent="-285750">
+              <a:buFont typeface="Wingdings" panose="05000000000000000000" pitchFamily="2" charset="2"/>
+              <a:buChar char="q"/>
+            </a:pPr>
+            <a:endParaRPr lang="en-US" altLang="zh-CN" sz="2400" b="1" dirty="0">
+              <a:solidFill>
+                <a:schemeClr val="tx1"/>
+              </a:solidFill>
+            </a:endParaRPr>
+          </a:p>
+          <a:p>
+            <a:pPr marL="285750" indent="-285750">
+              <a:buFont typeface="Wingdings" panose="05000000000000000000" pitchFamily="2" charset="2"/>
+              <a:buChar char="q"/>
+            </a:pPr>
+            <a:r>
+              <a:rPr lang="en-US" altLang="zh-CN" sz="2400" b="1" dirty="0">
+                <a:solidFill>
+                  <a:schemeClr val="tx1"/>
+                </a:solidFill>
+              </a:rPr>
+              <a:t>Striker’s kicking direction is randomly simulated, but strikers may change their striking strategy based on Goalie past behavior</a:t>
             </a:r>
           </a:p>
         </p:txBody>
@@ -8743,8 +8756,8 @@
         </p:nvSpPr>
         <p:spPr>
           <a:xfrm>
-            <a:off x="6765929" y="1433254"/>
-            <a:ext cx="4900985" cy="4493290"/>
+            <a:off x="6949873" y="1390614"/>
+            <a:ext cx="4998287" cy="4493290"/>
           </a:xfrm>
           <a:prstGeom prst="rect">
             <a:avLst/>

--- a/Goalkeepr Success Rate Slide.pptx
+++ b/Goalkeepr Success Rate Slide.pptx
@@ -565,6 +565,90 @@
     <p:extLst>
       <p:ext uri="{BB962C8B-B14F-4D97-AF65-F5344CB8AC3E}">
         <p14:creationId xmlns:p14="http://schemas.microsoft.com/office/powerpoint/2010/main" val="3208722785"/>
+      </p:ext>
+    </p:extLst>
+  </p:cSld>
+  <p:clrMapOvr>
+    <a:masterClrMapping/>
+  </p:clrMapOvr>
+</p:notes>
+</file>
+
+<file path=ppt/notesSlides/notesSlide2.xml><?xml version="1.0" encoding="utf-8"?>
+<p:notes xmlns:a="http://schemas.openxmlformats.org/drawingml/2006/main" xmlns:r="http://schemas.openxmlformats.org/officeDocument/2006/relationships" xmlns:p="http://schemas.openxmlformats.org/presentationml/2006/main">
+  <p:cSld>
+    <p:spTree>
+      <p:nvGrpSpPr>
+        <p:cNvPr id="1" name=""/>
+        <p:cNvGrpSpPr/>
+        <p:nvPr/>
+      </p:nvGrpSpPr>
+      <p:grpSpPr>
+        <a:xfrm>
+          <a:off x="0" y="0"/>
+          <a:ext cx="0" cy="0"/>
+          <a:chOff x="0" y="0"/>
+          <a:chExt cx="0" cy="0"/>
+        </a:xfrm>
+      </p:grpSpPr>
+      <p:sp>
+        <p:nvSpPr>
+          <p:cNvPr id="2" name="Slide Image Placeholder 1"/>
+          <p:cNvSpPr>
+            <a:spLocks noGrp="1" noRot="1" noChangeAspect="1"/>
+          </p:cNvSpPr>
+          <p:nvPr>
+            <p:ph type="sldImg"/>
+          </p:nvPr>
+        </p:nvSpPr>
+        <p:spPr/>
+      </p:sp>
+      <p:sp>
+        <p:nvSpPr>
+          <p:cNvPr id="3" name="Notes Placeholder 2"/>
+          <p:cNvSpPr>
+            <a:spLocks noGrp="1"/>
+          </p:cNvSpPr>
+          <p:nvPr>
+            <p:ph type="body" idx="1"/>
+          </p:nvPr>
+        </p:nvSpPr>
+        <p:spPr/>
+        <p:txBody>
+          <a:bodyPr/>
+          <a:lstStyle/>
+          <a:p>
+            <a:endParaRPr lang="en-US" dirty="0"/>
+          </a:p>
+        </p:txBody>
+      </p:sp>
+      <p:sp>
+        <p:nvSpPr>
+          <p:cNvPr id="4" name="Slide Number Placeholder 3"/>
+          <p:cNvSpPr>
+            <a:spLocks noGrp="1"/>
+          </p:cNvSpPr>
+          <p:nvPr>
+            <p:ph type="sldNum" sz="quarter" idx="5"/>
+          </p:nvPr>
+        </p:nvSpPr>
+        <p:spPr/>
+        <p:txBody>
+          <a:bodyPr/>
+          <a:lstStyle/>
+          <a:p>
+            <a:fld id="{B7522238-0D60-46EB-948E-7DCC2ACE6459}" type="slidenum">
+              <a:rPr lang="zh-CN" altLang="en-US" smtClean="0"/>
+              <a:t>5</a:t>
+            </a:fld>
+            <a:endParaRPr lang="zh-CN" altLang="en-US"/>
+          </a:p>
+        </p:txBody>
+      </p:sp>
+    </p:spTree>
+    <p:extLst>
+      <p:ext uri="{BB962C8B-B14F-4D97-AF65-F5344CB8AC3E}">
+        <p14:creationId xmlns:p14="http://schemas.microsoft.com/office/powerpoint/2010/main" val="1642438429"/>
       </p:ext>
     </p:extLst>
   </p:cSld>
@@ -6046,7 +6130,7 @@
         </p:nvSpPr>
         <p:spPr>
           <a:xfrm rot="5400000">
-            <a:off x="632800" y="4677705"/>
+            <a:off x="632800" y="4224512"/>
             <a:ext cx="357177" cy="307911"/>
           </a:xfrm>
           <a:prstGeom prst="triangle">
@@ -6098,7 +6182,7 @@
         </p:nvSpPr>
         <p:spPr>
           <a:xfrm>
-            <a:off x="569385" y="1684553"/>
+            <a:off x="569385" y="1425470"/>
             <a:ext cx="2159566" cy="523220"/>
           </a:xfrm>
           <a:prstGeom prst="rect">
@@ -6138,7 +6222,7 @@
         </p:nvSpPr>
         <p:spPr>
           <a:xfrm rot="5400000">
-            <a:off x="632800" y="3191993"/>
+            <a:off x="632799" y="2902603"/>
             <a:ext cx="357177" cy="307911"/>
           </a:xfrm>
           <a:prstGeom prst="triangle">
@@ -6190,7 +6274,7 @@
         </p:nvSpPr>
         <p:spPr>
           <a:xfrm>
-            <a:off x="1128810" y="2362526"/>
+            <a:off x="1128810" y="2103443"/>
             <a:ext cx="10514550" cy="707886"/>
           </a:xfrm>
           <a:prstGeom prst="rect">
@@ -6230,7 +6314,7 @@
         </p:nvSpPr>
         <p:spPr>
           <a:xfrm rot="5400000">
-            <a:off x="632800" y="5361534"/>
+            <a:off x="632800" y="5320000"/>
             <a:ext cx="357177" cy="307911"/>
           </a:xfrm>
           <a:prstGeom prst="triangle">
@@ -6282,7 +6366,7 @@
         </p:nvSpPr>
         <p:spPr>
           <a:xfrm>
-            <a:off x="569385" y="4020137"/>
+            <a:off x="569385" y="3574125"/>
             <a:ext cx="2954655" cy="523220"/>
           </a:xfrm>
           <a:prstGeom prst="rect">
@@ -6322,7 +6406,7 @@
         </p:nvSpPr>
         <p:spPr>
           <a:xfrm rot="5400000">
-            <a:off x="632801" y="2542736"/>
+            <a:off x="632801" y="2283653"/>
             <a:ext cx="357177" cy="307911"/>
           </a:xfrm>
           <a:prstGeom prst="triangle">
@@ -6374,7 +6458,7 @@
         </p:nvSpPr>
         <p:spPr>
           <a:xfrm>
-            <a:off x="1024824" y="4638538"/>
+            <a:off x="1024824" y="4185345"/>
             <a:ext cx="9260869" cy="400110"/>
           </a:xfrm>
           <a:prstGeom prst="rect">
@@ -6472,7 +6556,7 @@
         </p:nvSpPr>
         <p:spPr>
           <a:xfrm>
-            <a:off x="1128810" y="5263633"/>
+            <a:off x="1128810" y="5222099"/>
             <a:ext cx="10311350" cy="1015663"/>
           </a:xfrm>
           <a:prstGeom prst="rect">
@@ -6512,7 +6596,7 @@
         </p:nvSpPr>
         <p:spPr>
           <a:xfrm>
-            <a:off x="1128810" y="3086390"/>
+            <a:off x="1128810" y="2827307"/>
             <a:ext cx="10514550" cy="400110"/>
           </a:xfrm>
           <a:prstGeom prst="rect">
@@ -6539,6 +6623,98 @@
               <a:highlight>
                 <a:srgbClr val="FFFF00"/>
               </a:highlight>
+              <a:latin typeface="Century Gothic" panose="020B0502020202020204" pitchFamily="34" charset="0"/>
+            </a:endParaRPr>
+          </a:p>
+        </p:txBody>
+      </p:sp>
+      <p:sp>
+        <p:nvSpPr>
+          <p:cNvPr id="17" name="等腰三角形 21">
+            <a:extLst>
+              <a:ext uri="{FF2B5EF4-FFF2-40B4-BE49-F238E27FC236}">
+                <a16:creationId xmlns:a16="http://schemas.microsoft.com/office/drawing/2014/main" id="{4BA0EFD8-5ECB-4CF8-8856-9227F8FCCF34}"/>
+              </a:ext>
+            </a:extLst>
+          </p:cNvPr>
+          <p:cNvSpPr/>
+          <p:nvPr/>
+        </p:nvSpPr>
+        <p:spPr>
+          <a:xfrm rot="5400000">
+            <a:off x="632800" y="4762727"/>
+            <a:ext cx="357177" cy="307911"/>
+          </a:xfrm>
+          <a:prstGeom prst="triangle">
+            <a:avLst/>
+          </a:prstGeom>
+          <a:solidFill>
+            <a:srgbClr val="FFC000"/>
+          </a:solidFill>
+          <a:ln>
+            <a:noFill/>
+          </a:ln>
+        </p:spPr>
+        <p:style>
+          <a:lnRef idx="2">
+            <a:schemeClr val="accent1">
+              <a:shade val="50000"/>
+            </a:schemeClr>
+          </a:lnRef>
+          <a:fillRef idx="1">
+            <a:schemeClr val="accent1"/>
+          </a:fillRef>
+          <a:effectRef idx="0">
+            <a:schemeClr val="accent1"/>
+          </a:effectRef>
+          <a:fontRef idx="minor">
+            <a:schemeClr val="lt1"/>
+          </a:fontRef>
+        </p:style>
+        <p:txBody>
+          <a:bodyPr rtlCol="0" anchor="ctr"/>
+          <a:lstStyle/>
+          <a:p>
+            <a:pPr algn="ctr"/>
+            <a:endParaRPr lang="zh-CN" altLang="en-US"/>
+          </a:p>
+        </p:txBody>
+      </p:sp>
+      <p:sp>
+        <p:nvSpPr>
+          <p:cNvPr id="18" name="文本框 32">
+            <a:extLst>
+              <a:ext uri="{FF2B5EF4-FFF2-40B4-BE49-F238E27FC236}">
+                <a16:creationId xmlns:a16="http://schemas.microsoft.com/office/drawing/2014/main" id="{66AB9691-1F95-4697-B75F-C0C66D00944E}"/>
+              </a:ext>
+            </a:extLst>
+          </p:cNvPr>
+          <p:cNvSpPr txBox="1"/>
+          <p:nvPr/>
+        </p:nvSpPr>
+        <p:spPr>
+          <a:xfrm>
+            <a:off x="1128810" y="4733989"/>
+            <a:ext cx="6114174" cy="400110"/>
+          </a:xfrm>
+          <a:prstGeom prst="rect">
+            <a:avLst/>
+          </a:prstGeom>
+          <a:noFill/>
+        </p:spPr>
+        <p:txBody>
+          <a:bodyPr wrap="none" rtlCol="0">
+            <a:spAutoFit/>
+          </a:bodyPr>
+          <a:lstStyle/>
+          <a:p>
+            <a:r>
+              <a:rPr lang="en-US" altLang="zh-CN" sz="2000" b="1" dirty="0">
+                <a:latin typeface="Century Gothic" panose="020B0502020202020204" pitchFamily="34" charset="0"/>
+              </a:rPr>
+              <a:t>Striker’s kick directions are left, middle and right</a:t>
+            </a:r>
+            <a:endParaRPr lang="zh-CN" altLang="en-US" sz="2000" b="1" dirty="0">
               <a:latin typeface="Century Gothic" panose="020B0502020202020204" pitchFamily="34" charset="0"/>
             </a:endParaRPr>
           </a:p>
@@ -6833,34 +7009,7 @@
               <a:rPr lang="en-US" sz="2400" b="1" dirty="0">
                 <a:latin typeface="Century Gothic" panose="020B0502020202020204" pitchFamily="34" charset="0"/>
               </a:rPr>
-              <a:t>(Variables: kick direction, </a:t>
-            </a:r>
-            <a:r>
-              <a:rPr lang="en-US" sz="2400" b="1" dirty="0">
-                <a:highlight>
-                  <a:srgbClr val="FFFF00"/>
-                </a:highlight>
-                <a:latin typeface="Century Gothic" panose="020B0502020202020204" pitchFamily="34" charset="0"/>
-              </a:rPr>
-              <a:t>to be added</a:t>
-            </a:r>
-            <a:r>
-              <a:rPr lang="en-US" sz="2400" b="1" dirty="0">
-                <a:latin typeface="Century Gothic" panose="020B0502020202020204" pitchFamily="34" charset="0"/>
-              </a:rPr>
-              <a:t> </a:t>
-            </a:r>
-            <a:r>
-              <a:rPr lang="en-US" sz="2400" b="1" dirty="0" err="1">
-                <a:latin typeface="Century Gothic" panose="020B0502020202020204" pitchFamily="34" charset="0"/>
-              </a:rPr>
-              <a:t>etcs</a:t>
-            </a:r>
-            <a:r>
-              <a:rPr lang="en-US" sz="2400" b="1" dirty="0">
-                <a:latin typeface="Century Gothic" panose="020B0502020202020204" pitchFamily="34" charset="0"/>
-              </a:rPr>
-              <a:t>) </a:t>
+              <a:t>(Variables: striker kick direction, goalie save direction) </a:t>
             </a:r>
             <a:endParaRPr lang="zh-CN" altLang="en-US" sz="2400" b="1" dirty="0">
               <a:latin typeface="Century Gothic" panose="020B0502020202020204" pitchFamily="34" charset="0"/>

--- a/Goalkeepr Success Rate Slide.pptx
+++ b/Goalkeepr Success Rate Slide.pptx
@@ -5550,7 +5550,7 @@
                 </a:solidFill>
                 <a:latin typeface="Century Gothic" panose="020B0502020202020204" pitchFamily="34" charset="0"/>
               </a:rPr>
-              <a:t>Check if using strategies can improve the success rate or not</a:t>
+              <a:t>Check if using strategies can improve the goalkeeper’s success rate or not</a:t>
             </a:r>
             <a:endParaRPr lang="zh-CN" altLang="en-US" sz="2400" b="1" dirty="0">
               <a:solidFill>
@@ -5770,25 +5770,16 @@
               <a:t> </a:t>
             </a:r>
             <a:r>
+              <a:rPr lang="en-US" altLang="zh-CN" sz="2400" b="1" i="1" dirty="0">
+                <a:latin typeface="Century Gothic" panose="020B0502020202020204" pitchFamily="34" charset="0"/>
+              </a:rPr>
+              <a:t>the opponent Team’s </a:t>
+            </a:r>
+            <a:r>
               <a:rPr lang="en-US" altLang="zh-CN" sz="2400" b="1" dirty="0">
                 <a:latin typeface="Century Gothic" panose="020B0502020202020204" pitchFamily="34" charset="0"/>
               </a:rPr>
-              <a:t>the opponent team’s most frequent shoot direction(</a:t>
-            </a:r>
-            <a:r>
-              <a:rPr lang="en-US" altLang="zh-CN" sz="2400" b="1" dirty="0">
-                <a:highlight>
-                  <a:srgbClr val="FFFF00"/>
-                </a:highlight>
-                <a:latin typeface="Century Gothic" panose="020B0502020202020204" pitchFamily="34" charset="0"/>
-              </a:rPr>
-              <a:t>pending</a:t>
-            </a:r>
-            <a:r>
-              <a:rPr lang="en-US" altLang="zh-CN" sz="2400" b="1" dirty="0">
-                <a:latin typeface="Century Gothic" panose="020B0502020202020204" pitchFamily="34" charset="0"/>
-              </a:rPr>
-              <a:t>)</a:t>
+              <a:t>most frequent shoot direction</a:t>
             </a:r>
             <a:endParaRPr lang="zh-CN" altLang="en-US" sz="2400" b="1" dirty="0">
               <a:latin typeface="Century Gothic" panose="020B0502020202020204" pitchFamily="34" charset="0"/>
@@ -5901,10 +5892,16 @@
               <a:t> </a:t>
             </a:r>
             <a:r>
+              <a:rPr lang="en-US" altLang="zh-CN" sz="2400" b="1" i="1" dirty="0">
+                <a:latin typeface="Century Gothic" panose="020B0502020202020204" pitchFamily="34" charset="0"/>
+              </a:rPr>
+              <a:t>each opponent’s </a:t>
+            </a:r>
+            <a:r>
               <a:rPr lang="en-US" altLang="zh-CN" sz="2400" b="1" dirty="0">
                 <a:latin typeface="Century Gothic" panose="020B0502020202020204" pitchFamily="34" charset="0"/>
               </a:rPr>
-              <a:t>each opponent’s most frequent shoot direction</a:t>
+              <a:t>most frequent shoot direction</a:t>
             </a:r>
             <a:endParaRPr lang="zh-CN" altLang="en-US" sz="2400" b="1" dirty="0">
               <a:latin typeface="Century Gothic" panose="020B0502020202020204" pitchFamily="34" charset="0"/>
@@ -5926,7 +5923,7 @@
         </p:nvSpPr>
         <p:spPr>
           <a:xfrm rot="5400000">
-            <a:off x="6445568" y="4978695"/>
+            <a:off x="6445568" y="4938055"/>
             <a:ext cx="357177" cy="307911"/>
           </a:xfrm>
           <a:prstGeom prst="triangle">
@@ -6130,7 +6127,7 @@
         </p:nvSpPr>
         <p:spPr>
           <a:xfrm rot="5400000">
-            <a:off x="632800" y="4224512"/>
+            <a:off x="673939" y="3929425"/>
             <a:ext cx="357177" cy="307911"/>
           </a:xfrm>
           <a:prstGeom prst="triangle">
@@ -6222,7 +6219,7 @@
         </p:nvSpPr>
         <p:spPr>
           <a:xfrm rot="5400000">
-            <a:off x="632799" y="2902603"/>
+            <a:off x="673939" y="2263911"/>
             <a:ext cx="357177" cy="307911"/>
           </a:xfrm>
           <a:prstGeom prst="triangle">
@@ -6274,7 +6271,7 @@
         </p:nvSpPr>
         <p:spPr>
           <a:xfrm>
-            <a:off x="1128810" y="2103443"/>
+            <a:off x="1110469" y="2142506"/>
             <a:ext cx="10514550" cy="707886"/>
           </a:xfrm>
           <a:prstGeom prst="rect">
@@ -6292,7 +6289,7 @@
               <a:rPr lang="en-US" sz="2000" b="1" dirty="0">
                 <a:latin typeface="Century Gothic" panose="020B0502020202020204" pitchFamily="34" charset="0"/>
               </a:rPr>
-              <a:t>Saving the ball based on Striker’s most frequent kicking direction can increase the success percentage of a goalie</a:t>
+              <a:t>Saving the ball based on team’s most frequent kicking direction/each striker’s most frequent kicking direction can increase the success percentage of a goalie</a:t>
             </a:r>
             <a:endParaRPr lang="zh-CN" altLang="en-US" sz="2000" b="1" dirty="0">
               <a:latin typeface="Century Gothic" panose="020B0502020202020204" pitchFamily="34" charset="0"/>
@@ -6314,7 +6311,7 @@
         </p:nvSpPr>
         <p:spPr>
           <a:xfrm rot="5400000">
-            <a:off x="632800" y="5320000"/>
+            <a:off x="673939" y="5024913"/>
             <a:ext cx="357177" cy="307911"/>
           </a:xfrm>
           <a:prstGeom prst="triangle">
@@ -6366,7 +6363,7 @@
         </p:nvSpPr>
         <p:spPr>
           <a:xfrm>
-            <a:off x="569385" y="3574125"/>
+            <a:off x="569385" y="3120065"/>
             <a:ext cx="2954655" cy="523220"/>
           </a:xfrm>
           <a:prstGeom prst="rect">
@@ -6389,58 +6386,6 @@
             <a:endParaRPr lang="zh-CN" altLang="en-US" sz="2800" b="1" dirty="0">
               <a:latin typeface="Century Gothic" panose="020B0502020202020204" pitchFamily="34" charset="0"/>
             </a:endParaRPr>
-          </a:p>
-        </p:txBody>
-      </p:sp>
-      <p:sp>
-        <p:nvSpPr>
-          <p:cNvPr id="30" name="等腰三角形 29">
-            <a:extLst>
-              <a:ext uri="{FF2B5EF4-FFF2-40B4-BE49-F238E27FC236}">
-                <a16:creationId xmlns:a16="http://schemas.microsoft.com/office/drawing/2014/main" id="{FD083385-1C79-4A23-8DE0-408FF54E337B}"/>
-              </a:ext>
-            </a:extLst>
-          </p:cNvPr>
-          <p:cNvSpPr/>
-          <p:nvPr/>
-        </p:nvSpPr>
-        <p:spPr>
-          <a:xfrm rot="5400000">
-            <a:off x="632801" y="2283653"/>
-            <a:ext cx="357177" cy="307911"/>
-          </a:xfrm>
-          <a:prstGeom prst="triangle">
-            <a:avLst/>
-          </a:prstGeom>
-          <a:solidFill>
-            <a:schemeClr val="accent5"/>
-          </a:solidFill>
-          <a:ln>
-            <a:noFill/>
-          </a:ln>
-        </p:spPr>
-        <p:style>
-          <a:lnRef idx="2">
-            <a:schemeClr val="accent1">
-              <a:shade val="50000"/>
-            </a:schemeClr>
-          </a:lnRef>
-          <a:fillRef idx="1">
-            <a:schemeClr val="accent1"/>
-          </a:fillRef>
-          <a:effectRef idx="0">
-            <a:schemeClr val="accent1"/>
-          </a:effectRef>
-          <a:fontRef idx="minor">
-            <a:schemeClr val="lt1"/>
-          </a:fontRef>
-        </p:style>
-        <p:txBody>
-          <a:bodyPr rtlCol="0" anchor="ctr"/>
-          <a:lstStyle/>
-          <a:p>
-            <a:pPr algn="ctr"/>
-            <a:endParaRPr lang="zh-CN" altLang="en-US"/>
           </a:p>
         </p:txBody>
       </p:sp>
@@ -6458,8 +6403,8 @@
         </p:nvSpPr>
         <p:spPr>
           <a:xfrm>
-            <a:off x="1024824" y="4185345"/>
-            <a:ext cx="9260869" cy="400110"/>
+            <a:off x="1006483" y="3792174"/>
+            <a:ext cx="8789586" cy="400110"/>
           </a:xfrm>
           <a:prstGeom prst="rect">
             <a:avLst/>
@@ -6476,7 +6421,7 @@
               <a:rPr lang="en-US" altLang="zh-CN" sz="2000" b="1" dirty="0">
                 <a:latin typeface="Century Gothic" panose="020B0502020202020204" pitchFamily="34" charset="0"/>
               </a:rPr>
-              <a:t> If goalie's direction is the same as striker's direction, then the goalie wins</a:t>
+              <a:t> If goalie's direction is the same as striker's direction, the goalie wins</a:t>
             </a:r>
             <a:endParaRPr lang="zh-CN" altLang="en-US" sz="2000" b="1" dirty="0">
               <a:latin typeface="Century Gothic" panose="020B0502020202020204" pitchFamily="34" charset="0"/>
@@ -6556,7 +6501,7 @@
         </p:nvSpPr>
         <p:spPr>
           <a:xfrm>
-            <a:off x="1128810" y="5222099"/>
+            <a:off x="1064195" y="4990870"/>
             <a:ext cx="10311350" cy="1015663"/>
           </a:xfrm>
           <a:prstGeom prst="rect">
@@ -6574,55 +6519,9 @@
               <a:rPr lang="en-US" altLang="zh-CN" sz="2000" b="1" dirty="0">
                 <a:latin typeface="Century Gothic" panose="020B0502020202020204" pitchFamily="34" charset="0"/>
               </a:rPr>
-              <a:t>Striker’s kicking direction will not be changed based on Goalie behavior(In Scenario 2, If Goalie found a player’s frequent direction, and always save the ball in that direction, striker’s kick will not be affected or changed)</a:t>
+              <a:t>Striker’s kicking direction will not be changed based on Goalie behavior(In Scenario 2&amp;3, If Goalie found a team’s or a player’s frequent direction, and always save the ball in that direction, striker’s kick will not be affected or changed)</a:t>
             </a:r>
             <a:endParaRPr lang="zh-CN" altLang="en-US" sz="2000" b="1" dirty="0">
-              <a:latin typeface="Century Gothic" panose="020B0502020202020204" pitchFamily="34" charset="0"/>
-            </a:endParaRPr>
-          </a:p>
-        </p:txBody>
-      </p:sp>
-      <p:sp>
-        <p:nvSpPr>
-          <p:cNvPr id="16" name="文本框 24">
-            <a:extLst>
-              <a:ext uri="{FF2B5EF4-FFF2-40B4-BE49-F238E27FC236}">
-                <a16:creationId xmlns:a16="http://schemas.microsoft.com/office/drawing/2014/main" id="{47992901-B9DE-4326-8216-EFEDF3F57EE8}"/>
-              </a:ext>
-            </a:extLst>
-          </p:cNvPr>
-          <p:cNvSpPr txBox="1"/>
-          <p:nvPr/>
-        </p:nvSpPr>
-        <p:spPr>
-          <a:xfrm>
-            <a:off x="1128810" y="2827307"/>
-            <a:ext cx="10514550" cy="400110"/>
-          </a:xfrm>
-          <a:prstGeom prst="rect">
-            <a:avLst/>
-          </a:prstGeom>
-          <a:noFill/>
-        </p:spPr>
-        <p:txBody>
-          <a:bodyPr wrap="square" rtlCol="0">
-            <a:spAutoFit/>
-          </a:bodyPr>
-          <a:lstStyle/>
-          <a:p>
-            <a:r>
-              <a:rPr lang="en-US" sz="2000" b="1" dirty="0">
-                <a:highlight>
-                  <a:srgbClr val="FFFF00"/>
-                </a:highlight>
-                <a:latin typeface="Century Gothic" panose="020B0502020202020204" pitchFamily="34" charset="0"/>
-              </a:rPr>
-              <a:t>To be added</a:t>
-            </a:r>
-            <a:endParaRPr lang="zh-CN" altLang="en-US" sz="2000" b="1" dirty="0">
-              <a:highlight>
-                <a:srgbClr val="FFFF00"/>
-              </a:highlight>
               <a:latin typeface="Century Gothic" panose="020B0502020202020204" pitchFamily="34" charset="0"/>
             </a:endParaRPr>
           </a:p>
@@ -6642,7 +6541,7 @@
         </p:nvSpPr>
         <p:spPr>
           <a:xfrm rot="5400000">
-            <a:off x="632800" y="4762727"/>
+            <a:off x="673939" y="4467640"/>
             <a:ext cx="357177" cy="307911"/>
           </a:xfrm>
           <a:prstGeom prst="triangle">
@@ -6694,8 +6593,8 @@
         </p:nvSpPr>
         <p:spPr>
           <a:xfrm>
-            <a:off x="1128810" y="4733989"/>
-            <a:ext cx="6114174" cy="400110"/>
+            <a:off x="1064195" y="4420634"/>
+            <a:ext cx="8273419" cy="400110"/>
           </a:xfrm>
           <a:prstGeom prst="rect">
             <a:avLst/>
@@ -6712,7 +6611,7 @@
               <a:rPr lang="en-US" altLang="zh-CN" sz="2000" b="1" dirty="0">
                 <a:latin typeface="Century Gothic" panose="020B0502020202020204" pitchFamily="34" charset="0"/>
               </a:rPr>
-              <a:t>Striker’s kick directions are left, middle and right</a:t>
+              <a:t>Striker has 9 kicking directions and Goalie has 9 saving directions</a:t>
             </a:r>
             <a:endParaRPr lang="zh-CN" altLang="en-US" sz="2000" b="1" dirty="0">
               <a:latin typeface="Century Gothic" panose="020B0502020202020204" pitchFamily="34" charset="0"/>
@@ -6961,7 +6860,7 @@
               <a:rPr lang="en-US" sz="2400" b="1" dirty="0">
                 <a:latin typeface="Century Gothic" panose="020B0502020202020204" pitchFamily="34" charset="0"/>
               </a:rPr>
-              <a:t>1) Find Dataset(A 16/17 English Premier League Penalty Dataset)</a:t>
+              <a:t>1) Work on Hypothesis and Assumptions</a:t>
             </a:r>
             <a:endParaRPr lang="zh-CN" altLang="en-US" sz="2400" b="1" dirty="0">
               <a:latin typeface="Century Gothic" panose="020B0502020202020204" pitchFamily="34" charset="0"/>
@@ -7009,7 +6908,7 @@
               <a:rPr lang="en-US" sz="2400" b="1" dirty="0">
                 <a:latin typeface="Century Gothic" panose="020B0502020202020204" pitchFamily="34" charset="0"/>
               </a:rPr>
-              <a:t>(Variables: striker kick direction, goalie save direction) </a:t>
+              <a:t>(Variables: striker kick direction, goalie save direction, etc.) </a:t>
             </a:r>
             <a:endParaRPr lang="zh-CN" altLang="en-US" sz="2400" b="1" dirty="0">
               <a:latin typeface="Century Gothic" panose="020B0502020202020204" pitchFamily="34" charset="0"/>
@@ -7994,7 +7893,7 @@
         <p:spPr>
           <a:xfrm>
             <a:off x="272235" y="297917"/>
-            <a:ext cx="4697283" cy="584775"/>
+            <a:ext cx="8674834" cy="1077218"/>
           </a:xfrm>
           <a:prstGeom prst="rect">
             <a:avLst/>
@@ -8021,12 +7920,12 @@
             <a:pPr algn="ctr"/>
             <a:r>
               <a:rPr lang="en-US" altLang="zh-CN" sz="3200" b="1" dirty="0">
-                <a:solidFill>
-                  <a:schemeClr val="bg1"/>
-                </a:solidFill>
+                <a:highlight>
+                  <a:srgbClr val="FFFF00"/>
+                </a:highlight>
                 <a:latin typeface="Century Gothic" panose="020B0502020202020204" pitchFamily="34" charset="0"/>
               </a:rPr>
-              <a:t>Result for Scenario 1&amp;2</a:t>
+              <a:t>Result for Scenario 1&amp;2- need update for 9 direction version</a:t>
             </a:r>
           </a:p>
         </p:txBody>
@@ -8059,8 +7958,8 @@
         </p:blipFill>
         <p:spPr>
           <a:xfrm>
-            <a:off x="2502038" y="1175081"/>
-            <a:ext cx="7414122" cy="5393982"/>
+            <a:off x="2807763" y="1622936"/>
+            <a:ext cx="6970900" cy="5071526"/>
           </a:xfrm>
           <a:prstGeom prst="rect">
             <a:avLst/>
@@ -8739,8 +8638,8 @@
         </p:nvSpPr>
         <p:spPr>
           <a:xfrm>
-            <a:off x="243840" y="1433254"/>
-            <a:ext cx="6128337" cy="4493290"/>
+            <a:off x="243841" y="1433254"/>
+            <a:ext cx="6093042" cy="4448155"/>
           </a:xfrm>
           <a:prstGeom prst="rect">
             <a:avLst/>
@@ -8784,7 +8683,7 @@
                   <a:schemeClr val="tx1"/>
                 </a:solidFill>
               </a:rPr>
-              <a:t>Current Dataset do not have a large amount of data to be used</a:t>
+              <a:t>Randomly simulate striker’s moves instead of using a large real dataset</a:t>
             </a:r>
           </a:p>
           <a:p>
@@ -8834,7 +8733,7 @@
                   <a:schemeClr val="tx1"/>
                 </a:solidFill>
               </a:rPr>
-              <a:t>Striker’s kicking direction is randomly simulated, but strikers may change their striking strategy based on Goalie past behavior</a:t>
+              <a:t>Striker’s kicking direction is randomly simulated, but strikers may change their striking strategy based on Goalie’s past behavior</a:t>
             </a:r>
           </a:p>
         </p:txBody>
@@ -8853,7 +8752,7 @@
         </p:nvSpPr>
         <p:spPr>
           <a:xfrm>
-            <a:off x="7008434" y="484203"/>
+            <a:off x="6730905" y="637243"/>
             <a:ext cx="2701836" cy="584775"/>
           </a:xfrm>
           <a:prstGeom prst="rect">
@@ -8905,8 +8804,8 @@
         </p:nvSpPr>
         <p:spPr>
           <a:xfrm>
-            <a:off x="6949873" y="1390614"/>
-            <a:ext cx="4998287" cy="4493290"/>
+            <a:off x="6730905" y="1433254"/>
+            <a:ext cx="5217256" cy="4448155"/>
           </a:xfrm>
           <a:prstGeom prst="rect">
             <a:avLst/>
@@ -8950,7 +8849,41 @@
                   <a:schemeClr val="tx1"/>
                 </a:solidFill>
               </a:rPr>
-              <a:t>In the future, we can consider another scenario: instead of randomly selecting a striker, create two teams and run a penalty shootout scenario and select winning team</a:t>
+              <a:t>In the future, we can consider two another scenarios: </a:t>
+            </a:r>
+          </a:p>
+          <a:p>
+            <a:endParaRPr lang="en-US" altLang="zh-CN" sz="2400" b="1" dirty="0">
+              <a:solidFill>
+                <a:schemeClr val="tx1"/>
+              </a:solidFill>
+            </a:endParaRPr>
+          </a:p>
+          <a:p>
+            <a:r>
+              <a:rPr lang="en-US" altLang="zh-CN" sz="2400" b="1" dirty="0">
+                <a:solidFill>
+                  <a:schemeClr val="tx1"/>
+                </a:solidFill>
+              </a:rPr>
+              <a:t>    1) Goalie jumps based on team/player tendency, including striker kick speed and goalie reaction time</a:t>
+            </a:r>
+          </a:p>
+          <a:p>
+            <a:endParaRPr lang="en-US" altLang="zh-CN" sz="2400" b="1" dirty="0">
+              <a:solidFill>
+                <a:schemeClr val="tx1"/>
+              </a:solidFill>
+            </a:endParaRPr>
+          </a:p>
+          <a:p>
+            <a:r>
+              <a:rPr lang="en-US" altLang="zh-CN" sz="2400" b="1" dirty="0">
+                <a:solidFill>
+                  <a:schemeClr val="tx1"/>
+                </a:solidFill>
+              </a:rPr>
+              <a:t>     2) Create two teams, run a penalty shootout scenario and select winning team</a:t>
             </a:r>
           </a:p>
         </p:txBody>

--- a/Goalkeepr Success Rate Slide.pptx
+++ b/Goalkeepr Success Rate Slide.pptx
@@ -220,7 +220,7 @@
           <a:p>
             <a:fld id="{3DAC7728-3CF7-4ED8-BE73-4D9631C5AC35}" type="datetimeFigureOut">
               <a:rPr lang="zh-CN" altLang="en-US" smtClean="0"/>
-              <a:t>2018/11/29</a:t>
+              <a:t>2018/11/30</a:t>
             </a:fld>
             <a:endParaRPr lang="zh-CN" altLang="en-US"/>
           </a:p>
@@ -787,7 +787,7 @@
           <a:p>
             <a:fld id="{9B0C78CE-FED0-4D13-BE88-F615B93848C4}" type="datetimeFigureOut">
               <a:rPr lang="zh-CN" altLang="en-US" smtClean="0"/>
-              <a:t>2018/11/29</a:t>
+              <a:t>2018/11/30</a:t>
             </a:fld>
             <a:endParaRPr lang="zh-CN" altLang="en-US"/>
           </a:p>
@@ -1062,7 +1062,7 @@
           <a:p>
             <a:fld id="{9B0C78CE-FED0-4D13-BE88-F615B93848C4}" type="datetimeFigureOut">
               <a:rPr lang="zh-CN" altLang="en-US" smtClean="0"/>
-              <a:t>2018/11/29</a:t>
+              <a:t>2018/11/30</a:t>
             </a:fld>
             <a:endParaRPr lang="zh-CN" altLang="en-US"/>
           </a:p>
@@ -1314,7 +1314,7 @@
           <a:p>
             <a:fld id="{9B0C78CE-FED0-4D13-BE88-F615B93848C4}" type="datetimeFigureOut">
               <a:rPr lang="zh-CN" altLang="en-US" smtClean="0"/>
-              <a:t>2018/11/29</a:t>
+              <a:t>2018/11/30</a:t>
             </a:fld>
             <a:endParaRPr lang="zh-CN" altLang="en-US"/>
           </a:p>
@@ -1482,7 +1482,7 @@
           <a:p>
             <a:fld id="{9B0C78CE-FED0-4D13-BE88-F615B93848C4}" type="datetimeFigureOut">
               <a:rPr lang="zh-CN" altLang="en-US" smtClean="0"/>
-              <a:t>2018/11/29</a:t>
+              <a:t>2018/11/30</a:t>
             </a:fld>
             <a:endParaRPr lang="zh-CN" altLang="en-US"/>
           </a:p>
@@ -1660,7 +1660,7 @@
           <a:p>
             <a:fld id="{9B0C78CE-FED0-4D13-BE88-F615B93848C4}" type="datetimeFigureOut">
               <a:rPr lang="zh-CN" altLang="en-US" smtClean="0"/>
-              <a:t>2018/11/29</a:t>
+              <a:t>2018/11/30</a:t>
             </a:fld>
             <a:endParaRPr lang="zh-CN" altLang="en-US"/>
           </a:p>
@@ -1828,7 +1828,7 @@
           <a:p>
             <a:fld id="{9B0C78CE-FED0-4D13-BE88-F615B93848C4}" type="datetimeFigureOut">
               <a:rPr lang="zh-CN" altLang="en-US" smtClean="0"/>
-              <a:t>2018/11/29</a:t>
+              <a:t>2018/11/30</a:t>
             </a:fld>
             <a:endParaRPr lang="zh-CN" altLang="en-US"/>
           </a:p>
@@ -2073,7 +2073,7 @@
           <a:p>
             <a:fld id="{9B0C78CE-FED0-4D13-BE88-F615B93848C4}" type="datetimeFigureOut">
               <a:rPr lang="zh-CN" altLang="en-US" smtClean="0"/>
-              <a:t>2018/11/29</a:t>
+              <a:t>2018/11/30</a:t>
             </a:fld>
             <a:endParaRPr lang="zh-CN" altLang="en-US"/>
           </a:p>
@@ -2302,7 +2302,7 @@
           <a:p>
             <a:fld id="{9B0C78CE-FED0-4D13-BE88-F615B93848C4}" type="datetimeFigureOut">
               <a:rPr lang="zh-CN" altLang="en-US" smtClean="0"/>
-              <a:t>2018/11/29</a:t>
+              <a:t>2018/11/30</a:t>
             </a:fld>
             <a:endParaRPr lang="zh-CN" altLang="en-US"/>
           </a:p>
@@ -2666,7 +2666,7 @@
           <a:p>
             <a:fld id="{9B0C78CE-FED0-4D13-BE88-F615B93848C4}" type="datetimeFigureOut">
               <a:rPr lang="zh-CN" altLang="en-US" smtClean="0"/>
-              <a:t>2018/11/29</a:t>
+              <a:t>2018/11/30</a:t>
             </a:fld>
             <a:endParaRPr lang="zh-CN" altLang="en-US"/>
           </a:p>
@@ -3071,7 +3071,7 @@
           <a:p>
             <a:fld id="{9B0C78CE-FED0-4D13-BE88-F615B93848C4}" type="datetimeFigureOut">
               <a:rPr lang="zh-CN" altLang="en-US" smtClean="0"/>
-              <a:t>2018/11/29</a:t>
+              <a:t>2018/11/30</a:t>
             </a:fld>
             <a:endParaRPr lang="zh-CN" altLang="en-US"/>
           </a:p>
@@ -3285,7 +3285,7 @@
           <a:p>
             <a:fld id="{9B0C78CE-FED0-4D13-BE88-F615B93848C4}" type="datetimeFigureOut">
               <a:rPr lang="zh-CN" altLang="en-US" smtClean="0"/>
-              <a:t>2018/11/29</a:t>
+              <a:t>2018/11/30</a:t>
             </a:fld>
             <a:endParaRPr lang="zh-CN" altLang="en-US"/>
           </a:p>
@@ -5895,7 +5895,7 @@
               <a:rPr lang="en-US" altLang="zh-CN" sz="2400" b="1" i="1" dirty="0">
                 <a:latin typeface="Century Gothic" panose="020B0502020202020204" pitchFamily="34" charset="0"/>
               </a:rPr>
-              <a:t>each opponent’s </a:t>
+              <a:t>each opponent’s(player) </a:t>
             </a:r>
             <a:r>
               <a:rPr lang="en-US" altLang="zh-CN" sz="2400" b="1" dirty="0">
@@ -6519,7 +6519,7 @@
               <a:rPr lang="en-US" altLang="zh-CN" sz="2000" b="1" dirty="0">
                 <a:latin typeface="Century Gothic" panose="020B0502020202020204" pitchFamily="34" charset="0"/>
               </a:rPr>
-              <a:t>Striker’s kicking direction will not be changed based on Goalie behavior(In Scenario 2&amp;3, If Goalie found a team’s or a player’s frequent direction, and always save the ball in that direction, striker’s kick will not be affected or changed)</a:t>
+              <a:t>Striker’s kicking direction will not be changed based on Goalie’s behavior(In Scenario 2&amp;3, If Goalie found a team’s or a player’s frequent direction, and always save the ball in that direction, striker’s kick will not be affected or changed)</a:t>
             </a:r>
             <a:endParaRPr lang="zh-CN" altLang="en-US" sz="2000" b="1" dirty="0">
               <a:latin typeface="Century Gothic" panose="020B0502020202020204" pitchFamily="34" charset="0"/>
